--- a/001_JavaScript/005_lesson/Presentation/Other_Js_possibilities.pptx
+++ b/001_JavaScript/005_lesson/Presentation/Other_Js_possibilities.pptx
@@ -198,7 +198,7 @@
             <a:fld id="{878C5971-768E-4159-A95D-0A5E45D27E50}" type="datetimeFigureOut">
               <a:rPr lang="en-US" smtClean="0"/>
               <a:pPr/>
-              <a:t>6/20/2016</a:t>
+              <a:t>7/28/2016</a:t>
             </a:fld>
             <a:endParaRPr lang="en-US"/>
           </a:p>
@@ -462,6 +462,88 @@
     </a:lvl9pPr>
   </p:notesStyle>
 </p:notesMaster>
+</file>
+
+<file path=ppt/notesSlides/notesSlide1.xml><?xml version="1.0" encoding="utf-8"?>
+<p:notes xmlns:a="http://schemas.openxmlformats.org/drawingml/2006/main" xmlns:r="http://schemas.openxmlformats.org/officeDocument/2006/relationships" xmlns:p="http://schemas.openxmlformats.org/presentationml/2006/main">
+  <p:cSld>
+    <p:spTree>
+      <p:nvGrpSpPr>
+        <p:cNvPr id="1" name=""/>
+        <p:cNvGrpSpPr/>
+        <p:nvPr/>
+      </p:nvGrpSpPr>
+      <p:grpSpPr>
+        <a:xfrm>
+          <a:off x="0" y="0"/>
+          <a:ext cx="0" cy="0"/>
+          <a:chOff x="0" y="0"/>
+          <a:chExt cx="0" cy="0"/>
+        </a:xfrm>
+      </p:grpSpPr>
+      <p:sp>
+        <p:nvSpPr>
+          <p:cNvPr id="2" name="Образ слайда 1"/>
+          <p:cNvSpPr>
+            <a:spLocks noGrp="1" noRot="1" noChangeAspect="1"/>
+          </p:cNvSpPr>
+          <p:nvPr>
+            <p:ph type="sldImg"/>
+          </p:nvPr>
+        </p:nvSpPr>
+        <p:spPr/>
+      </p:sp>
+      <p:sp>
+        <p:nvSpPr>
+          <p:cNvPr id="3" name="Заметки 2"/>
+          <p:cNvSpPr>
+            <a:spLocks noGrp="1"/>
+          </p:cNvSpPr>
+          <p:nvPr>
+            <p:ph type="body" idx="1"/>
+          </p:nvPr>
+        </p:nvSpPr>
+        <p:spPr/>
+        <p:txBody>
+          <a:bodyPr>
+            <a:normAutofit/>
+          </a:bodyPr>
+          <a:lstStyle/>
+          <a:p>
+            <a:endParaRPr lang="uk-UA" dirty="0"/>
+          </a:p>
+        </p:txBody>
+      </p:sp>
+      <p:sp>
+        <p:nvSpPr>
+          <p:cNvPr id="4" name="Номер слайда 3"/>
+          <p:cNvSpPr>
+            <a:spLocks noGrp="1"/>
+          </p:cNvSpPr>
+          <p:nvPr>
+            <p:ph type="sldNum" sz="quarter" idx="10"/>
+          </p:nvPr>
+        </p:nvSpPr>
+        <p:spPr/>
+        <p:txBody>
+          <a:bodyPr/>
+          <a:lstStyle/>
+          <a:p>
+            <a:fld id="{59D54114-963E-4216-B18C-1A4BD5C9A928}" type="slidenum">
+              <a:rPr lang="en-US" smtClean="0"/>
+              <a:pPr/>
+              <a:t>3</a:t>
+            </a:fld>
+            <a:endParaRPr lang="en-US"/>
+          </a:p>
+        </p:txBody>
+      </p:sp>
+    </p:spTree>
+  </p:cSld>
+  <p:clrMapOvr>
+    <a:masterClrMapping/>
+  </p:clrMapOvr>
+</p:notes>
 </file>
 
 <file path=ppt/slideLayouts/slideLayout1.xml><?xml version="1.0" encoding="utf-8"?>
@@ -971,7 +1053,7 @@
     </p:spTree>
     <p:extLst>
       <p:ext uri="{BB962C8B-B14F-4D97-AF65-F5344CB8AC3E}">
-        <p14:creationId xmlns="" xmlns:p14="http://schemas.microsoft.com/office/powerpoint/2010/main" val="3537187278"/>
+        <p14:creationId xmlns:p14="http://schemas.microsoft.com/office/powerpoint/2010/main" xmlns="" val="3537187278"/>
       </p:ext>
     </p:extLst>
   </p:cSld>
@@ -1017,7 +1099,7 @@
           <a:blip r:embed="rId2" cstate="print">
             <a:extLst>
               <a:ext uri="{28A0092B-C50C-407E-A947-70E740481C1C}">
-                <a14:useLocalDpi xmlns="" xmlns:a14="http://schemas.microsoft.com/office/drawing/2010/main" val="0"/>
+                <a14:useLocalDpi xmlns:a14="http://schemas.microsoft.com/office/drawing/2010/main" xmlns="" val="0"/>
               </a:ext>
             </a:extLst>
           </a:blip>
@@ -1041,14 +1123,14 @@
           <a:effectLst/>
           <a:extLst>
             <a:ext uri="{909E8E84-426E-40DD-AFC4-6F175D3DCCD1}">
-              <a14:hiddenFill xmlns="" xmlns:a14="http://schemas.microsoft.com/office/drawing/2010/main">
+              <a14:hiddenFill xmlns:a14="http://schemas.microsoft.com/office/drawing/2010/main" xmlns="">
                 <a:solidFill>
                   <a:schemeClr val="accent1"/>
                 </a:solidFill>
               </a14:hiddenFill>
             </a:ext>
             <a:ext uri="{91240B29-F687-4F45-9708-019B960494DF}">
-              <a14:hiddenLine xmlns="" xmlns:a14="http://schemas.microsoft.com/office/drawing/2010/main" w="9525">
+              <a14:hiddenLine xmlns:a14="http://schemas.microsoft.com/office/drawing/2010/main" xmlns="" w="9525">
                 <a:solidFill>
                   <a:schemeClr val="tx1"/>
                 </a:solidFill>
@@ -1058,7 +1140,7 @@
               </a14:hiddenLine>
             </a:ext>
             <a:ext uri="{AF507438-7753-43E0-B8FC-AC1667EBCBE1}">
-              <a14:hiddenEffects xmlns="" xmlns:a14="http://schemas.microsoft.com/office/drawing/2010/main">
+              <a14:hiddenEffects xmlns:a14="http://schemas.microsoft.com/office/drawing/2010/main" xmlns="">
                 <a:effectLst>
                   <a:outerShdw dist="35921" dir="2700000" algn="ctr" rotWithShape="0">
                     <a:schemeClr val="bg2"/>
@@ -1199,7 +1281,7 @@
     </p:spTree>
     <p:extLst>
       <p:ext uri="{BB962C8B-B14F-4D97-AF65-F5344CB8AC3E}">
-        <p14:creationId xmlns="" xmlns:p14="http://schemas.microsoft.com/office/powerpoint/2010/main" val="2097366919"/>
+        <p14:creationId xmlns:p14="http://schemas.microsoft.com/office/powerpoint/2010/main" xmlns="" val="2097366919"/>
       </p:ext>
     </p:extLst>
   </p:cSld>
@@ -1723,7 +1805,7 @@
     </p:spTree>
     <p:extLst>
       <p:ext uri="{BB962C8B-B14F-4D97-AF65-F5344CB8AC3E}">
-        <p14:creationId xmlns:p14="http://schemas.microsoft.com/office/powerpoint/2010/main" xmlns="" val="3537187278"/>
+        <p14:creationId xmlns="" xmlns:p14="http://schemas.microsoft.com/office/powerpoint/2010/main" val="3537187278"/>
       </p:ext>
     </p:extLst>
   </p:cSld>
@@ -1769,7 +1851,7 @@
           <a:blip r:embed="rId2" cstate="print">
             <a:extLst>
               <a:ext uri="{28A0092B-C50C-407E-A947-70E740481C1C}">
-                <a14:useLocalDpi xmlns:a14="http://schemas.microsoft.com/office/drawing/2010/main" xmlns="" val="0"/>
+                <a14:useLocalDpi xmlns="" xmlns:a14="http://schemas.microsoft.com/office/drawing/2010/main" val="0"/>
               </a:ext>
             </a:extLst>
           </a:blip>
@@ -1793,14 +1875,14 @@
           <a:effectLst/>
           <a:extLst>
             <a:ext uri="{909E8E84-426E-40DD-AFC4-6F175D3DCCD1}">
-              <a14:hiddenFill xmlns:a14="http://schemas.microsoft.com/office/drawing/2010/main" xmlns="">
+              <a14:hiddenFill xmlns="" xmlns:a14="http://schemas.microsoft.com/office/drawing/2010/main">
                 <a:solidFill>
                   <a:schemeClr val="accent1"/>
                 </a:solidFill>
               </a14:hiddenFill>
             </a:ext>
             <a:ext uri="{91240B29-F687-4F45-9708-019B960494DF}">
-              <a14:hiddenLine xmlns:a14="http://schemas.microsoft.com/office/drawing/2010/main" xmlns="" w="9525">
+              <a14:hiddenLine xmlns="" xmlns:a14="http://schemas.microsoft.com/office/drawing/2010/main" w="9525">
                 <a:solidFill>
                   <a:schemeClr val="tx1"/>
                 </a:solidFill>
@@ -1810,7 +1892,7 @@
               </a14:hiddenLine>
             </a:ext>
             <a:ext uri="{AF507438-7753-43E0-B8FC-AC1667EBCBE1}">
-              <a14:hiddenEffects xmlns:a14="http://schemas.microsoft.com/office/drawing/2010/main" xmlns="">
+              <a14:hiddenEffects xmlns="" xmlns:a14="http://schemas.microsoft.com/office/drawing/2010/main">
                 <a:effectLst>
                   <a:outerShdw dist="35921" dir="2700000" algn="ctr" rotWithShape="0">
                     <a:schemeClr val="bg2"/>
@@ -1951,7 +2033,7 @@
     </p:spTree>
     <p:extLst>
       <p:ext uri="{BB962C8B-B14F-4D97-AF65-F5344CB8AC3E}">
-        <p14:creationId xmlns:p14="http://schemas.microsoft.com/office/powerpoint/2010/main" xmlns="" val="2097366919"/>
+        <p14:creationId xmlns="" xmlns:p14="http://schemas.microsoft.com/office/powerpoint/2010/main" val="2097366919"/>
       </p:ext>
     </p:extLst>
   </p:cSld>
@@ -2026,7 +2108,7 @@
     </p:spTree>
     <p:extLst>
       <p:ext uri="{BB962C8B-B14F-4D97-AF65-F5344CB8AC3E}">
-        <p14:creationId xmlns="" xmlns:p14="http://schemas.microsoft.com/office/powerpoint/2010/main" val="779007194"/>
+        <p14:creationId xmlns:p14="http://schemas.microsoft.com/office/powerpoint/2010/main" xmlns="" val="779007194"/>
       </p:ext>
     </p:extLst>
   </p:cSld>
@@ -2358,7 +2440,9 @@
           <a:lstStyle/>
           <a:p>
             <a:pPr algn="ctr"/>
-            <a:endParaRPr lang="en-US" dirty="0"/>
+            <a:endParaRPr lang="en-US" dirty="0">
+              <a:latin typeface="Calibri" pitchFamily="34" charset="0"/>
+            </a:endParaRPr>
           </a:p>
         </p:txBody>
       </p:sp>
@@ -2389,7 +2473,7 @@
                 <a:solidFill>
                   <a:schemeClr val="bg1"/>
                 </a:solidFill>
-                <a:latin typeface="Roboto Thin" panose="02000000000000000000" pitchFamily="2" charset="0"/>
+                <a:latin typeface="Calibri" pitchFamily="34" charset="0"/>
                 <a:ea typeface="Roboto Thin" panose="02000000000000000000" pitchFamily="2" charset="0"/>
                 <a:cs typeface="Roboto Thin" panose="02000000000000000000" pitchFamily="2" charset="0"/>
               </a:rPr>
@@ -2399,7 +2483,7 @@
               <a:solidFill>
                 <a:schemeClr val="bg1"/>
               </a:solidFill>
-              <a:latin typeface="Roboto Thin" panose="02000000000000000000" pitchFamily="2" charset="0"/>
+              <a:latin typeface="Calibri" pitchFamily="34" charset="0"/>
               <a:ea typeface="Roboto Thin" panose="02000000000000000000" pitchFamily="2" charset="0"/>
               <a:cs typeface="Roboto Thin" panose="02000000000000000000" pitchFamily="2" charset="0"/>
             </a:endParaRPr>
@@ -2591,7 +2675,7 @@
                     <a:lumOff val="10000"/>
                   </a:schemeClr>
                 </a:solidFill>
-                <a:latin typeface="Roboto Light" panose="02000000000000000000" pitchFamily="2" charset="0"/>
+                <a:latin typeface="Calibri" pitchFamily="34" charset="0"/>
                 <a:ea typeface="Roboto Light" panose="02000000000000000000" pitchFamily="2" charset="0"/>
                 <a:cs typeface="Roboto Light" panose="02000000000000000000" pitchFamily="2" charset="0"/>
               </a:rPr>
@@ -2604,7 +2688,7 @@
                   <a:lumOff val="10000"/>
                 </a:schemeClr>
               </a:solidFill>
-              <a:latin typeface="Roboto Light" panose="02000000000000000000" pitchFamily="2" charset="0"/>
+              <a:latin typeface="Calibri" pitchFamily="34" charset="0"/>
               <a:ea typeface="Roboto Light" panose="02000000000000000000" pitchFamily="2" charset="0"/>
               <a:cs typeface="Roboto Light" panose="02000000000000000000" pitchFamily="2" charset="0"/>
             </a:endParaRPr>
@@ -2623,7 +2707,7 @@
           <a:blip r:embed="rId2" cstate="print">
             <a:extLst>
               <a:ext uri="{28A0092B-C50C-407E-A947-70E740481C1C}">
-                <a14:useLocalDpi xmlns:a14="http://schemas.microsoft.com/office/drawing/2010/main" xmlns="" val="0"/>
+                <a14:useLocalDpi xmlns="" xmlns:a14="http://schemas.microsoft.com/office/drawing/2010/main" val="0"/>
               </a:ext>
             </a:extLst>
           </a:blip>
@@ -2643,7 +2727,7 @@
           <a:noFill/>
           <a:extLst>
             <a:ext uri="{909E8E84-426E-40DD-AFC4-6F175D3DCCD1}">
-              <a14:hiddenFill xmlns:a14="http://schemas.microsoft.com/office/drawing/2010/main" xmlns="">
+              <a14:hiddenFill xmlns="" xmlns:a14="http://schemas.microsoft.com/office/drawing/2010/main">
                 <a:solidFill>
                   <a:srgbClr val="FFFFFF"/>
                 </a:solidFill>
@@ -2675,26 +2759,26 @@
           <a:lstStyle/>
           <a:p>
             <a:r>
-              <a:rPr lang="ru-RU" sz="4400" dirty="0" err="1" smtClean="0">
-                <a:solidFill>
-                  <a:srgbClr val="7564BC"/>
-                </a:solidFill>
-                <a:latin typeface="Roboto Black" panose="02000000000000000000" pitchFamily="2" charset="0"/>
-                <a:ea typeface="Roboto Black" panose="02000000000000000000" pitchFamily="2" charset="0"/>
-                <a:cs typeface="Roboto Black" panose="02000000000000000000" pitchFamily="2" charset="0"/>
-              </a:rPr>
-              <a:t>Раз.личные</a:t>
-            </a:r>
-            <a:r>
               <a:rPr lang="ru-RU" sz="4400" dirty="0" smtClean="0">
                 <a:solidFill>
                   <a:srgbClr val="7564BC"/>
                 </a:solidFill>
-                <a:latin typeface="Roboto Black" panose="02000000000000000000" pitchFamily="2" charset="0"/>
+                <a:latin typeface="Calibri" pitchFamily="34" charset="0"/>
                 <a:ea typeface="Roboto Black" panose="02000000000000000000" pitchFamily="2" charset="0"/>
                 <a:cs typeface="Roboto Black" panose="02000000000000000000" pitchFamily="2" charset="0"/>
               </a:rPr>
-              <a:t> возможности </a:t>
+              <a:t>Различные </a:t>
+            </a:r>
+            <a:r>
+              <a:rPr lang="ru-RU" sz="4400" dirty="0" smtClean="0">
+                <a:solidFill>
+                  <a:srgbClr val="7564BC"/>
+                </a:solidFill>
+                <a:latin typeface="Calibri" pitchFamily="34" charset="0"/>
+                <a:ea typeface="Roboto Black" panose="02000000000000000000" pitchFamily="2" charset="0"/>
+                <a:cs typeface="Roboto Black" panose="02000000000000000000" pitchFamily="2" charset="0"/>
+              </a:rPr>
+              <a:t>возможности </a:t>
             </a:r>
           </a:p>
         </p:txBody>
@@ -2702,7 +2786,7 @@
     </p:spTree>
     <p:extLst>
       <p:ext uri="{BB962C8B-B14F-4D97-AF65-F5344CB8AC3E}">
-        <p14:creationId xmlns:p14="http://schemas.microsoft.com/office/powerpoint/2010/main" xmlns="" val="3436223543"/>
+        <p14:creationId xmlns="" xmlns:p14="http://schemas.microsoft.com/office/powerpoint/2010/main" val="3436223543"/>
       </p:ext>
     </p:extLst>
   </p:cSld>
@@ -2752,10 +2836,26 @@
           <a:lstStyle/>
           <a:p>
             <a:r>
-              <a:rPr lang="ru-RU" b="1" dirty="0" smtClean="0"/>
-              <a:t>Типизация данных</a:t>
-            </a:r>
-            <a:endParaRPr lang="en-US" b="1" dirty="0"/>
+              <a:rPr lang="ru-RU" dirty="0" smtClean="0">
+                <a:latin typeface="Calibri" pitchFamily="34" charset="0"/>
+              </a:rPr>
+              <a:t>Типизация</a:t>
+            </a:r>
+            <a:r>
+              <a:rPr lang="ru-RU" b="1" dirty="0" smtClean="0">
+                <a:latin typeface="Calibri" pitchFamily="34" charset="0"/>
+              </a:rPr>
+              <a:t> </a:t>
+            </a:r>
+            <a:r>
+              <a:rPr lang="ru-RU" dirty="0" smtClean="0">
+                <a:latin typeface="Calibri" pitchFamily="34" charset="0"/>
+              </a:rPr>
+              <a:t>данных</a:t>
+            </a:r>
+            <a:endParaRPr lang="en-US" dirty="0">
+              <a:latin typeface="Calibri" pitchFamily="34" charset="0"/>
+            </a:endParaRPr>
           </a:p>
         </p:txBody>
       </p:sp>
@@ -2768,7 +2868,7 @@
         <p:spPr>
           <a:xfrm>
             <a:off x="323528" y="1268760"/>
-            <a:ext cx="8568952" cy="4985980"/>
+            <a:ext cx="8568952" cy="5078313"/>
           </a:xfrm>
           <a:prstGeom prst="rect">
             <a:avLst/>
@@ -2786,27 +2886,39 @@
               <a:buChar char="§"/>
             </a:pPr>
             <a:r>
-              <a:rPr lang="en-US" sz="2000" dirty="0" smtClean="0"/>
+              <a:rPr lang="en-US" dirty="0" smtClean="0">
+                <a:latin typeface="Calibri" pitchFamily="34" charset="0"/>
+              </a:rPr>
               <a:t>  </a:t>
             </a:r>
             <a:r>
-              <a:rPr lang="ru-RU" sz="2000" dirty="0" smtClean="0"/>
+              <a:rPr lang="ru-RU" dirty="0" smtClean="0">
+                <a:latin typeface="Calibri" pitchFamily="34" charset="0"/>
+              </a:rPr>
               <a:t>Оператор </a:t>
             </a:r>
             <a:r>
-              <a:rPr lang="en-US" sz="2000" b="1" dirty="0" err="1" smtClean="0"/>
+              <a:rPr lang="en-US" b="1" dirty="0" err="1" smtClean="0">
+                <a:latin typeface="Calibri" pitchFamily="34" charset="0"/>
+              </a:rPr>
               <a:t>typeof</a:t>
             </a:r>
             <a:r>
-              <a:rPr lang="en-US" sz="2000" dirty="0" smtClean="0"/>
+              <a:rPr lang="en-US" dirty="0" smtClean="0">
+                <a:latin typeface="Calibri" pitchFamily="34" charset="0"/>
+              </a:rPr>
               <a:t> (</a:t>
             </a:r>
             <a:r>
-              <a:rPr lang="ru-RU" sz="2000" dirty="0" smtClean="0"/>
+              <a:rPr lang="ru-RU" dirty="0" smtClean="0">
+                <a:latin typeface="Calibri" pitchFamily="34" charset="0"/>
+              </a:rPr>
               <a:t>подходит для работы со значениями примитивных типов</a:t>
             </a:r>
             <a:r>
-              <a:rPr lang="en-US" sz="2000" dirty="0" smtClean="0"/>
+              <a:rPr lang="en-US" dirty="0" smtClean="0">
+                <a:latin typeface="Calibri" pitchFamily="34" charset="0"/>
+              </a:rPr>
               <a:t>);  </a:t>
             </a:r>
           </a:p>
@@ -2815,7 +2927,9 @@
               <a:buFont typeface="Wingdings" pitchFamily="2" charset="2"/>
               <a:buChar char="§"/>
             </a:pPr>
-            <a:endParaRPr lang="en-US" sz="2000" dirty="0" smtClean="0"/>
+            <a:endParaRPr lang="en-US" dirty="0" smtClean="0">
+              <a:latin typeface="Calibri" pitchFamily="34" charset="0"/>
+            </a:endParaRPr>
           </a:p>
           <a:p>
             <a:pPr algn="just">
@@ -2823,43 +2937,71 @@
               <a:buChar char="§"/>
             </a:pPr>
             <a:r>
-              <a:rPr lang="en-US" sz="2000" dirty="0" smtClean="0"/>
+              <a:rPr lang="en-US" dirty="0" smtClean="0">
+                <a:latin typeface="Calibri" pitchFamily="34" charset="0"/>
+              </a:rPr>
               <a:t> </a:t>
             </a:r>
             <a:r>
-              <a:rPr lang="ru-RU" sz="2000" b="1" dirty="0" smtClean="0"/>
+              <a:rPr lang="ru-RU" b="1" dirty="0" smtClean="0">
+                <a:latin typeface="Calibri" pitchFamily="34" charset="0"/>
+              </a:rPr>
               <a:t>Специальное свойство [[</a:t>
             </a:r>
             <a:r>
-              <a:rPr lang="ru-RU" sz="2000" b="1" dirty="0" err="1" smtClean="0"/>
+              <a:rPr lang="ru-RU" b="1" dirty="0" err="1" smtClean="0">
+                <a:latin typeface="Calibri" pitchFamily="34" charset="0"/>
+              </a:rPr>
               <a:t>Class</a:t>
             </a:r>
             <a:r>
-              <a:rPr lang="ru-RU" sz="2000" b="1" dirty="0" smtClean="0"/>
+              <a:rPr lang="ru-RU" b="1" dirty="0" smtClean="0">
+                <a:latin typeface="Calibri" pitchFamily="34" charset="0"/>
+              </a:rPr>
               <a:t>]]</a:t>
             </a:r>
             <a:r>
-              <a:rPr lang="en-US" sz="2000" dirty="0" smtClean="0"/>
+              <a:rPr lang="en-US" dirty="0" smtClean="0">
+                <a:latin typeface="Calibri" pitchFamily="34" charset="0"/>
+              </a:rPr>
               <a:t>; </a:t>
             </a:r>
-            <a:endParaRPr lang="ru-RU" sz="2000" b="1" dirty="0" smtClean="0"/>
+            <a:endParaRPr lang="ru-RU" b="1" dirty="0" smtClean="0">
+              <a:latin typeface="Calibri" pitchFamily="34" charset="0"/>
+            </a:endParaRPr>
           </a:p>
           <a:p>
             <a:pPr algn="just">
               <a:buFont typeface="Wingdings" pitchFamily="2" charset="2"/>
               <a:buChar char="§"/>
             </a:pPr>
-            <a:endParaRPr lang="en-US" sz="2000" dirty="0" smtClean="0"/>
+            <a:endParaRPr lang="en-US" dirty="0" smtClean="0">
+              <a:latin typeface="Calibri" pitchFamily="34" charset="0"/>
+            </a:endParaRPr>
           </a:p>
           <a:p>
             <a:pPr algn="just">
               <a:buFont typeface="Wingdings" pitchFamily="2" charset="2"/>
               <a:buChar char="§"/>
             </a:pPr>
-            <a:endParaRPr lang="en-US" sz="2000" dirty="0" smtClean="0"/>
-          </a:p>
-          <a:p>
-            <a:endParaRPr lang="en-US" sz="2000" dirty="0" smtClean="0"/>
+            <a:endParaRPr lang="en-US" dirty="0" smtClean="0">
+              <a:latin typeface="Calibri" pitchFamily="34" charset="0"/>
+            </a:endParaRPr>
+          </a:p>
+          <a:p>
+            <a:endParaRPr lang="ru-RU" dirty="0" smtClean="0">
+              <a:latin typeface="Calibri" pitchFamily="34" charset="0"/>
+            </a:endParaRPr>
+          </a:p>
+          <a:p>
+            <a:endParaRPr lang="ru-RU" dirty="0" smtClean="0">
+              <a:latin typeface="Calibri" pitchFamily="34" charset="0"/>
+            </a:endParaRPr>
+          </a:p>
+          <a:p>
+            <a:endParaRPr lang="en-US" dirty="0" smtClean="0">
+              <a:latin typeface="Calibri" pitchFamily="34" charset="0"/>
+            </a:endParaRPr>
           </a:p>
           <a:p>
             <a:pPr algn="just">
@@ -2867,37 +3009,62 @@
               <a:buChar char="§"/>
             </a:pPr>
             <a:r>
-              <a:rPr lang="en-US" sz="2000" dirty="0" smtClean="0"/>
+              <a:rPr lang="en-US" dirty="0" smtClean="0">
+                <a:latin typeface="Calibri" pitchFamily="34" charset="0"/>
+              </a:rPr>
               <a:t>  </a:t>
             </a:r>
             <a:r>
-              <a:rPr lang="ru-RU" sz="2000" dirty="0" smtClean="0"/>
+              <a:rPr lang="ru-RU" dirty="0" smtClean="0">
+                <a:latin typeface="Calibri" pitchFamily="34" charset="0"/>
+              </a:rPr>
               <a:t>Оператор </a:t>
             </a:r>
             <a:r>
-              <a:rPr lang="ru-RU" sz="2000" b="1" dirty="0" err="1" smtClean="0"/>
+              <a:rPr lang="ru-RU" b="1" dirty="0" err="1" smtClean="0">
+                <a:latin typeface="Calibri" pitchFamily="34" charset="0"/>
+              </a:rPr>
               <a:t>instanceof</a:t>
             </a:r>
             <a:r>
-              <a:rPr lang="ru-RU" sz="2000" b="1" dirty="0" smtClean="0"/>
+              <a:rPr lang="ru-RU" b="1" dirty="0" smtClean="0">
+                <a:latin typeface="Calibri" pitchFamily="34" charset="0"/>
+              </a:rPr>
               <a:t> </a:t>
             </a:r>
-            <a:endParaRPr lang="en-US" sz="2000" dirty="0" smtClean="0"/>
-          </a:p>
-          <a:p>
-            <a:endParaRPr lang="en-US" sz="2000" dirty="0" smtClean="0"/>
-          </a:p>
-          <a:p>
-            <a:endParaRPr lang="ru-RU" sz="2000" dirty="0" smtClean="0"/>
-          </a:p>
-          <a:p>
-            <a:endParaRPr lang="ru-RU" sz="2000" dirty="0" smtClean="0"/>
-          </a:p>
-          <a:p>
-            <a:endParaRPr lang="ru-RU" sz="2000" dirty="0" smtClean="0"/>
-          </a:p>
-          <a:p>
-            <a:endParaRPr lang="en-US" sz="2000" dirty="0" smtClean="0"/>
+            <a:endParaRPr lang="en-US" dirty="0" smtClean="0">
+              <a:latin typeface="Calibri" pitchFamily="34" charset="0"/>
+            </a:endParaRPr>
+          </a:p>
+          <a:p>
+            <a:endParaRPr lang="en-US" dirty="0" smtClean="0">
+              <a:latin typeface="Calibri" pitchFamily="34" charset="0"/>
+            </a:endParaRPr>
+          </a:p>
+          <a:p>
+            <a:endParaRPr lang="ru-RU" dirty="0" smtClean="0">
+              <a:latin typeface="Calibri" pitchFamily="34" charset="0"/>
+            </a:endParaRPr>
+          </a:p>
+          <a:p>
+            <a:endParaRPr lang="ru-RU" dirty="0" smtClean="0">
+              <a:latin typeface="Calibri" pitchFamily="34" charset="0"/>
+            </a:endParaRPr>
+          </a:p>
+          <a:p>
+            <a:endParaRPr lang="ru-RU" dirty="0" smtClean="0">
+              <a:latin typeface="Calibri" pitchFamily="34" charset="0"/>
+            </a:endParaRPr>
+          </a:p>
+          <a:p>
+            <a:endParaRPr lang="ru-RU" dirty="0" smtClean="0">
+              <a:latin typeface="Calibri" pitchFamily="34" charset="0"/>
+            </a:endParaRPr>
+          </a:p>
+          <a:p>
+            <a:endParaRPr lang="en-US" dirty="0" smtClean="0">
+              <a:latin typeface="Calibri" pitchFamily="34" charset="0"/>
+            </a:endParaRPr>
           </a:p>
           <a:p>
             <a:pPr algn="just">
@@ -2905,25 +3072,37 @@
               <a:buChar char="§"/>
             </a:pPr>
             <a:r>
-              <a:rPr lang="en-US" sz="2000" dirty="0" smtClean="0"/>
+              <a:rPr lang="en-US" dirty="0" smtClean="0">
+                <a:latin typeface="Calibri" pitchFamily="34" charset="0"/>
+              </a:rPr>
               <a:t> </a:t>
             </a:r>
             <a:r>
-              <a:rPr lang="ru-RU" sz="2000" b="1" dirty="0" smtClean="0"/>
+              <a:rPr lang="ru-RU" b="1" dirty="0" smtClean="0">
+                <a:latin typeface="Calibri" pitchFamily="34" charset="0"/>
+              </a:rPr>
               <a:t>«Утиная типизация»</a:t>
             </a:r>
             <a:r>
-              <a:rPr lang="en-US" sz="2000" dirty="0" smtClean="0"/>
+              <a:rPr lang="en-US" dirty="0" smtClean="0">
+                <a:latin typeface="Calibri" pitchFamily="34" charset="0"/>
+              </a:rPr>
               <a:t>. </a:t>
             </a:r>
             <a:r>
-              <a:rPr lang="ru-RU" sz="2000" dirty="0" smtClean="0"/>
+              <a:rPr lang="ru-RU" dirty="0" smtClean="0">
+                <a:latin typeface="Calibri" pitchFamily="34" charset="0"/>
+              </a:rPr>
               <a:t>Её смысл – в проверке  наличия необходимых методов и свойств. </a:t>
             </a:r>
-            <a:endParaRPr lang="en-US" sz="2000" dirty="0"/>
-          </a:p>
-          <a:p>
-            <a:endParaRPr lang="en-US" dirty="0"/>
+            <a:endParaRPr lang="en-US" dirty="0">
+              <a:latin typeface="Calibri" pitchFamily="34" charset="0"/>
+            </a:endParaRPr>
+          </a:p>
+          <a:p>
+            <a:endParaRPr lang="en-US" dirty="0">
+              <a:latin typeface="Calibri" pitchFamily="34" charset="0"/>
+            </a:endParaRPr>
           </a:p>
         </p:txBody>
       </p:sp>
@@ -2970,27 +3149,38 @@
                     <a:lumMod val="75000"/>
                   </a:schemeClr>
                 </a:solidFill>
+                <a:latin typeface="Calibri" pitchFamily="34" charset="0"/>
               </a:rPr>
               <a:t>var</a:t>
             </a:r>
             <a:r>
-              <a:rPr lang="en-US" dirty="0" smtClean="0"/>
+              <a:rPr lang="en-US" dirty="0" smtClean="0">
+                <a:latin typeface="Calibri" pitchFamily="34" charset="0"/>
+              </a:rPr>
               <a:t> </a:t>
             </a:r>
             <a:r>
-              <a:rPr lang="en-US" dirty="0" err="1" smtClean="0"/>
+              <a:rPr lang="en-US" dirty="0" err="1" smtClean="0">
+                <a:latin typeface="Calibri" pitchFamily="34" charset="0"/>
+              </a:rPr>
               <a:t>toString</a:t>
             </a:r>
             <a:r>
-              <a:rPr lang="en-US" dirty="0" smtClean="0"/>
+              <a:rPr lang="en-US" dirty="0" smtClean="0">
+                <a:latin typeface="Calibri" pitchFamily="34" charset="0"/>
+              </a:rPr>
               <a:t> = {}.</a:t>
             </a:r>
             <a:r>
-              <a:rPr lang="en-US" dirty="0" err="1" smtClean="0"/>
+              <a:rPr lang="en-US" dirty="0" err="1" smtClean="0">
+                <a:latin typeface="Calibri" pitchFamily="34" charset="0"/>
+              </a:rPr>
               <a:t>toString</a:t>
             </a:r>
             <a:r>
-              <a:rPr lang="en-US" dirty="0" smtClean="0"/>
+              <a:rPr lang="en-US" dirty="0" smtClean="0">
+                <a:latin typeface="Calibri" pitchFamily="34" charset="0"/>
+              </a:rPr>
               <a:t>;  </a:t>
             </a:r>
           </a:p>
@@ -3003,35 +3193,50 @@
                     <a:lumMod val="75000"/>
                   </a:schemeClr>
                 </a:solidFill>
+                <a:latin typeface="Calibri" pitchFamily="34" charset="0"/>
               </a:rPr>
               <a:t>var</a:t>
             </a:r>
             <a:r>
-              <a:rPr lang="en-US" dirty="0" smtClean="0"/>
+              <a:rPr lang="en-US" dirty="0" smtClean="0">
+                <a:latin typeface="Calibri" pitchFamily="34" charset="0"/>
+              </a:rPr>
               <a:t> </a:t>
             </a:r>
             <a:r>
-              <a:rPr lang="en-US" dirty="0" err="1" smtClean="0"/>
+              <a:rPr lang="en-US" dirty="0" err="1" smtClean="0">
+                <a:latin typeface="Calibri" pitchFamily="34" charset="0"/>
+              </a:rPr>
               <a:t>arr</a:t>
             </a:r>
             <a:r>
-              <a:rPr lang="en-US" dirty="0" smtClean="0"/>
+              <a:rPr lang="en-US" dirty="0" smtClean="0">
+                <a:latin typeface="Calibri" pitchFamily="34" charset="0"/>
+              </a:rPr>
               <a:t> = [1, 2]; alert( </a:t>
             </a:r>
             <a:r>
-              <a:rPr lang="en-US" dirty="0" err="1" smtClean="0"/>
+              <a:rPr lang="en-US" dirty="0" err="1" smtClean="0">
+                <a:latin typeface="Calibri" pitchFamily="34" charset="0"/>
+              </a:rPr>
               <a:t>toString.call</a:t>
             </a:r>
             <a:r>
-              <a:rPr lang="en-US" dirty="0" smtClean="0"/>
+              <a:rPr lang="en-US" dirty="0" smtClean="0">
+                <a:latin typeface="Calibri" pitchFamily="34" charset="0"/>
+              </a:rPr>
               <a:t>(</a:t>
             </a:r>
             <a:r>
-              <a:rPr lang="en-US" dirty="0" err="1" smtClean="0"/>
+              <a:rPr lang="en-US" dirty="0" err="1" smtClean="0">
+                <a:latin typeface="Calibri" pitchFamily="34" charset="0"/>
+              </a:rPr>
               <a:t>arr</a:t>
             </a:r>
             <a:r>
-              <a:rPr lang="en-US" dirty="0" smtClean="0"/>
+              <a:rPr lang="en-US" dirty="0" smtClean="0">
+                <a:latin typeface="Calibri" pitchFamily="34" charset="0"/>
+              </a:rPr>
               <a:t>) ); // [object Array]</a:t>
             </a:r>
           </a:p>
@@ -3079,11 +3284,14 @@
                     <a:lumMod val="75000"/>
                   </a:schemeClr>
                 </a:solidFill>
+                <a:latin typeface="Calibri" pitchFamily="34" charset="0"/>
               </a:rPr>
               <a:t>function</a:t>
             </a:r>
             <a:r>
-              <a:rPr lang="en-US" dirty="0" smtClean="0"/>
+              <a:rPr lang="en-US" dirty="0" smtClean="0">
+                <a:latin typeface="Calibri" pitchFamily="34" charset="0"/>
+              </a:rPr>
               <a:t> User() {} </a:t>
             </a:r>
           </a:p>
@@ -3095,25 +3303,34 @@
                     <a:lumMod val="75000"/>
                   </a:schemeClr>
                 </a:solidFill>
+                <a:latin typeface="Calibri" pitchFamily="34" charset="0"/>
               </a:rPr>
               <a:t>var</a:t>
             </a:r>
             <a:r>
-              <a:rPr lang="en-US" dirty="0" smtClean="0"/>
+              <a:rPr lang="en-US" dirty="0" smtClean="0">
+                <a:latin typeface="Calibri" pitchFamily="34" charset="0"/>
+              </a:rPr>
               <a:t> user = new User(); </a:t>
             </a:r>
           </a:p>
           <a:p>
             <a:r>
-              <a:rPr lang="en-US" dirty="0" smtClean="0"/>
+              <a:rPr lang="en-US" dirty="0" smtClean="0">
+                <a:latin typeface="Calibri" pitchFamily="34" charset="0"/>
+              </a:rPr>
               <a:t>alert( user </a:t>
             </a:r>
             <a:r>
-              <a:rPr lang="en-US" dirty="0" err="1" smtClean="0"/>
+              <a:rPr lang="en-US" dirty="0" err="1" smtClean="0">
+                <a:latin typeface="Calibri" pitchFamily="34" charset="0"/>
+              </a:rPr>
               <a:t>instanceof</a:t>
             </a:r>
             <a:r>
-              <a:rPr lang="en-US" dirty="0" smtClean="0"/>
+              <a:rPr lang="en-US" dirty="0" smtClean="0">
+                <a:latin typeface="Calibri" pitchFamily="34" charset="0"/>
+              </a:rPr>
               <a:t> User ); // true</a:t>
             </a:r>
           </a:p>
@@ -3122,7 +3339,7 @@
     </p:spTree>
     <p:extLst>
       <p:ext uri="{BB962C8B-B14F-4D97-AF65-F5344CB8AC3E}">
-        <p14:creationId xmlns:p14="http://schemas.microsoft.com/office/powerpoint/2010/main" xmlns="" val="9290874"/>
+        <p14:creationId xmlns="" xmlns:p14="http://schemas.microsoft.com/office/powerpoint/2010/main" val="9290874"/>
       </p:ext>
     </p:extLst>
   </p:cSld>
@@ -3168,7 +3385,7 @@
         </p:nvSpPr>
         <p:spPr>
           <a:xfrm>
-            <a:off x="457200" y="279401"/>
+            <a:off x="395536" y="188640"/>
             <a:ext cx="8229600" cy="845343"/>
           </a:xfrm>
         </p:spPr>
@@ -3177,14 +3394,20 @@
           <a:lstStyle/>
           <a:p>
             <a:r>
-              <a:rPr lang="en-US" sz="3600" b="1" dirty="0" err="1" smtClean="0"/>
+              <a:rPr lang="en-US" sz="3600" dirty="0" err="1" smtClean="0">
+                <a:latin typeface="Calibri" pitchFamily="34" charset="0"/>
+              </a:rPr>
               <a:t>JSON</a:t>
             </a:r>
             <a:r>
-              <a:rPr lang="en-US" sz="3600" b="1" dirty="0" smtClean="0"/>
+              <a:rPr lang="en-US" sz="3600" b="1" dirty="0" smtClean="0">
+                <a:latin typeface="Calibri" pitchFamily="34" charset="0"/>
+              </a:rPr>
               <a:t>  </a:t>
             </a:r>
-            <a:endParaRPr lang="en-US" sz="3600" b="1" dirty="0"/>
+            <a:endParaRPr lang="en-US" sz="3600" b="1" dirty="0">
+              <a:latin typeface="Calibri" pitchFamily="34" charset="0"/>
+            </a:endParaRPr>
           </a:p>
         </p:txBody>
       </p:sp>
@@ -3196,8 +3419,8 @@
         </p:nvSpPr>
         <p:spPr>
           <a:xfrm>
-            <a:off x="4788024" y="3356992"/>
-            <a:ext cx="3888432" cy="2585323"/>
+            <a:off x="4644008" y="4149080"/>
+            <a:ext cx="3888432" cy="1754326"/>
           </a:xfrm>
           <a:prstGeom prst="rect">
             <a:avLst/>
@@ -3212,33 +3435,47 @@
           <a:p>
             <a:pPr algn="just"/>
             <a:r>
-              <a:rPr lang="ru-RU" sz="2400" dirty="0" smtClean="0"/>
+              <a:rPr lang="ru-RU" dirty="0" smtClean="0">
+                <a:latin typeface="Calibri" pitchFamily="34" charset="0"/>
+              </a:rPr>
               <a:t>Основные методы для работы с </a:t>
             </a:r>
             <a:r>
-              <a:rPr lang="ru-RU" sz="2400" dirty="0" err="1" smtClean="0"/>
+              <a:rPr lang="ru-RU" dirty="0" err="1" smtClean="0">
+                <a:latin typeface="Calibri" pitchFamily="34" charset="0"/>
+              </a:rPr>
               <a:t>JSON</a:t>
             </a:r>
             <a:r>
-              <a:rPr lang="ru-RU" sz="2400" dirty="0" smtClean="0"/>
+              <a:rPr lang="ru-RU" dirty="0" smtClean="0">
+                <a:latin typeface="Calibri" pitchFamily="34" charset="0"/>
+              </a:rPr>
               <a:t> в </a:t>
             </a:r>
             <a:r>
-              <a:rPr lang="ru-RU" sz="2400" dirty="0" err="1" smtClean="0"/>
+              <a:rPr lang="ru-RU" dirty="0" err="1" smtClean="0">
+                <a:latin typeface="Calibri" pitchFamily="34" charset="0"/>
+              </a:rPr>
               <a:t>JavaScript</a:t>
             </a:r>
             <a:r>
-              <a:rPr lang="ru-RU" sz="2400" dirty="0" smtClean="0"/>
+              <a:rPr lang="ru-RU" dirty="0" smtClean="0">
+                <a:latin typeface="Calibri" pitchFamily="34" charset="0"/>
+              </a:rPr>
               <a:t> – это:</a:t>
             </a:r>
             <a:r>
-              <a:rPr lang="en-US" sz="2400" dirty="0" smtClean="0"/>
+              <a:rPr lang="en-US" dirty="0" smtClean="0">
+                <a:latin typeface="Calibri" pitchFamily="34" charset="0"/>
+              </a:rPr>
               <a:t> </a:t>
             </a:r>
           </a:p>
           <a:p>
             <a:pPr algn="just"/>
-            <a:endParaRPr lang="ru-RU" sz="2400" dirty="0" smtClean="0"/>
+            <a:endParaRPr lang="ru-RU" dirty="0" smtClean="0">
+              <a:latin typeface="Calibri" pitchFamily="34" charset="0"/>
+            </a:endParaRPr>
           </a:p>
           <a:p>
             <a:pPr algn="just">
@@ -3246,26 +3483,38 @@
               <a:buChar char="§"/>
             </a:pPr>
             <a:r>
-              <a:rPr lang="en-US" sz="2400" dirty="0" smtClean="0"/>
+              <a:rPr lang="en-US" dirty="0" smtClean="0">
+                <a:latin typeface="Calibri" pitchFamily="34" charset="0"/>
+              </a:rPr>
               <a:t>  </a:t>
             </a:r>
             <a:r>
-              <a:rPr lang="ru-RU" sz="2400" b="1" dirty="0" err="1" smtClean="0"/>
+              <a:rPr lang="ru-RU" b="1" dirty="0" err="1" smtClean="0">
+                <a:latin typeface="Calibri" pitchFamily="34" charset="0"/>
+              </a:rPr>
               <a:t>JSON.parse</a:t>
             </a:r>
             <a:r>
-              <a:rPr lang="ru-RU" sz="2400" b="1" dirty="0" smtClean="0"/>
+              <a:rPr lang="ru-RU" b="1" dirty="0" smtClean="0">
+                <a:latin typeface="Calibri" pitchFamily="34" charset="0"/>
+              </a:rPr>
               <a:t> </a:t>
             </a:r>
             <a:r>
-              <a:rPr lang="ru-RU" sz="2400" dirty="0" smtClean="0"/>
+              <a:rPr lang="ru-RU" dirty="0" smtClean="0">
+                <a:latin typeface="Calibri" pitchFamily="34" charset="0"/>
+              </a:rPr>
               <a:t>.</a:t>
             </a:r>
             <a:r>
-              <a:rPr lang="en-US" sz="2400" dirty="0" smtClean="0"/>
+              <a:rPr lang="en-US" dirty="0" smtClean="0">
+                <a:latin typeface="Calibri" pitchFamily="34" charset="0"/>
+              </a:rPr>
               <a:t> </a:t>
             </a:r>
-            <a:endParaRPr lang="ru-RU" sz="2400" dirty="0" smtClean="0"/>
+            <a:endParaRPr lang="ru-RU" dirty="0" smtClean="0">
+              <a:latin typeface="Calibri" pitchFamily="34" charset="0"/>
+            </a:endParaRPr>
           </a:p>
           <a:p>
             <a:pPr algn="just">
@@ -3273,17 +3522,25 @@
               <a:buChar char="§"/>
             </a:pPr>
             <a:r>
-              <a:rPr lang="en-US" sz="2400" dirty="0" smtClean="0"/>
+              <a:rPr lang="en-US" dirty="0" smtClean="0">
+                <a:latin typeface="Calibri" pitchFamily="34" charset="0"/>
+              </a:rPr>
               <a:t>  </a:t>
             </a:r>
             <a:r>
-              <a:rPr lang="ru-RU" sz="2400" b="1" dirty="0" err="1" smtClean="0"/>
+              <a:rPr lang="ru-RU" b="1" dirty="0" err="1" smtClean="0">
+                <a:latin typeface="Calibri" pitchFamily="34" charset="0"/>
+              </a:rPr>
               <a:t>JSON.stringify</a:t>
             </a:r>
-            <a:endParaRPr lang="ru-RU" sz="2400" dirty="0" smtClean="0"/>
-          </a:p>
-          <a:p>
-            <a:endParaRPr lang="en-US" dirty="0"/>
+            <a:endParaRPr lang="ru-RU" dirty="0" smtClean="0">
+              <a:latin typeface="Calibri" pitchFamily="34" charset="0"/>
+            </a:endParaRPr>
+          </a:p>
+          <a:p>
+            <a:endParaRPr lang="en-US" dirty="0">
+              <a:latin typeface="Calibri" pitchFamily="34" charset="0"/>
+            </a:endParaRPr>
           </a:p>
         </p:txBody>
       </p:sp>
@@ -3295,7 +3552,7 @@
         </p:nvSpPr>
         <p:spPr>
           <a:xfrm>
-            <a:off x="395536" y="1268760"/>
+            <a:off x="5220072" y="1340768"/>
             <a:ext cx="3312368" cy="1754326"/>
           </a:xfrm>
           <a:prstGeom prst="rect">
@@ -3323,16 +3580,22 @@
           <a:lstStyle/>
           <a:p>
             <a:r>
-              <a:rPr lang="ru-RU" dirty="0" smtClean="0"/>
+              <a:rPr lang="ru-RU" dirty="0" smtClean="0">
+                <a:latin typeface="Calibri" pitchFamily="34" charset="0"/>
+              </a:rPr>
               <a:t>Пример</a:t>
             </a:r>
             <a:r>
-              <a:rPr lang="en-US" dirty="0" smtClean="0"/>
+              <a:rPr lang="en-US" dirty="0" smtClean="0">
+                <a:latin typeface="Calibri" pitchFamily="34" charset="0"/>
+              </a:rPr>
               <a:t>: </a:t>
             </a:r>
           </a:p>
           <a:p>
-            <a:endParaRPr lang="en-US" dirty="0" smtClean="0"/>
+            <a:endParaRPr lang="en-US" dirty="0" smtClean="0">
+              <a:latin typeface="Calibri" pitchFamily="34" charset="0"/>
+            </a:endParaRPr>
           </a:p>
           <a:p>
             <a:r>
@@ -3342,6 +3605,7 @@
                     <a:lumMod val="75000"/>
                   </a:schemeClr>
                 </a:solidFill>
+                <a:latin typeface="Calibri" pitchFamily="34" charset="0"/>
               </a:rPr>
               <a:t> </a:t>
             </a:r>
@@ -3352,6 +3616,7 @@
                     <a:lumMod val="75000"/>
                   </a:schemeClr>
                 </a:solidFill>
+                <a:latin typeface="Calibri" pitchFamily="34" charset="0"/>
               </a:rPr>
               <a:t>var</a:t>
             </a:r>
@@ -3362,40 +3627,57 @@
                     <a:lumMod val="75000"/>
                   </a:schemeClr>
                 </a:solidFill>
+                <a:latin typeface="Calibri" pitchFamily="34" charset="0"/>
               </a:rPr>
               <a:t> </a:t>
             </a:r>
             <a:r>
-              <a:rPr lang="en-US" dirty="0" smtClean="0"/>
+              <a:rPr lang="en-US" dirty="0" smtClean="0">
+                <a:latin typeface="Calibri" pitchFamily="34" charset="0"/>
+              </a:rPr>
               <a:t>user = '{ "name": "</a:t>
             </a:r>
             <a:r>
-              <a:rPr lang="uk-UA" dirty="0" smtClean="0"/>
+              <a:rPr lang="uk-UA" dirty="0" smtClean="0">
+                <a:latin typeface="Calibri" pitchFamily="34" charset="0"/>
+              </a:rPr>
               <a:t>Вася", </a:t>
             </a:r>
-            <a:endParaRPr lang="en-US" dirty="0" smtClean="0"/>
-          </a:p>
-          <a:p>
-            <a:r>
-              <a:rPr lang="uk-UA" dirty="0" smtClean="0"/>
+            <a:endParaRPr lang="en-US" dirty="0" smtClean="0">
+              <a:latin typeface="Calibri" pitchFamily="34" charset="0"/>
+            </a:endParaRPr>
+          </a:p>
+          <a:p>
+            <a:r>
+              <a:rPr lang="uk-UA" dirty="0" smtClean="0">
+                <a:latin typeface="Calibri" pitchFamily="34" charset="0"/>
+              </a:rPr>
               <a:t>"</a:t>
             </a:r>
             <a:r>
-              <a:rPr lang="en-US" dirty="0" smtClean="0"/>
+              <a:rPr lang="en-US" dirty="0" smtClean="0">
+                <a:latin typeface="Calibri" pitchFamily="34" charset="0"/>
+              </a:rPr>
               <a:t>age": 35, </a:t>
             </a:r>
           </a:p>
           <a:p>
             <a:r>
-              <a:rPr lang="en-US" dirty="0" smtClean="0"/>
+              <a:rPr lang="en-US" dirty="0" smtClean="0">
+                <a:latin typeface="Calibri" pitchFamily="34" charset="0"/>
+              </a:rPr>
               <a:t>"</a:t>
             </a:r>
             <a:r>
-              <a:rPr lang="en-US" dirty="0" err="1" smtClean="0"/>
+              <a:rPr lang="en-US" dirty="0" err="1" smtClean="0">
+                <a:latin typeface="Calibri" pitchFamily="34" charset="0"/>
+              </a:rPr>
               <a:t>isAdmin</a:t>
             </a:r>
             <a:r>
-              <a:rPr lang="en-US" dirty="0" smtClean="0"/>
+              <a:rPr lang="en-US" dirty="0" smtClean="0">
+                <a:latin typeface="Calibri" pitchFamily="34" charset="0"/>
+              </a:rPr>
               <a:t>": </a:t>
             </a:r>
             <a:r>
@@ -3405,20 +3687,27 @@
                     <a:lumMod val="75000"/>
                   </a:schemeClr>
                 </a:solidFill>
+                <a:latin typeface="Calibri" pitchFamily="34" charset="0"/>
               </a:rPr>
               <a:t>false</a:t>
             </a:r>
             <a:r>
-              <a:rPr lang="en-US" dirty="0" smtClean="0"/>
+              <a:rPr lang="en-US" dirty="0" smtClean="0">
+                <a:latin typeface="Calibri" pitchFamily="34" charset="0"/>
+              </a:rPr>
               <a:t>, </a:t>
             </a:r>
           </a:p>
           <a:p>
             <a:r>
-              <a:rPr lang="en-US" dirty="0" smtClean="0"/>
+              <a:rPr lang="en-US" dirty="0" smtClean="0">
+                <a:latin typeface="Calibri" pitchFamily="34" charset="0"/>
+              </a:rPr>
               <a:t>"friends": [0,1,2,3] }'; </a:t>
             </a:r>
-            <a:endParaRPr lang="en-US" dirty="0"/>
+            <a:endParaRPr lang="en-US" dirty="0">
+              <a:latin typeface="Calibri" pitchFamily="34" charset="0"/>
+            </a:endParaRPr>
           </a:p>
         </p:txBody>
       </p:sp>
@@ -3430,8 +3719,8 @@
         </p:nvSpPr>
         <p:spPr>
           <a:xfrm>
-            <a:off x="3923928" y="1412776"/>
-            <a:ext cx="4680520" cy="1569660"/>
+            <a:off x="539552" y="1340768"/>
+            <a:ext cx="4248472" cy="1200329"/>
           </a:xfrm>
           <a:prstGeom prst="rect">
             <a:avLst/>
@@ -3446,31 +3735,45 @@
           <a:p>
             <a:pPr algn="just"/>
             <a:r>
-              <a:rPr lang="en-US" sz="2400" b="1" dirty="0" err="1" smtClean="0"/>
+              <a:rPr lang="en-US" b="1" dirty="0" err="1" smtClean="0">
+                <a:latin typeface="Calibri" pitchFamily="34" charset="0"/>
+              </a:rPr>
               <a:t>JSON</a:t>
             </a:r>
             <a:r>
-              <a:rPr lang="en-US" sz="2400" b="1" dirty="0" smtClean="0"/>
+              <a:rPr lang="en-US" b="1" dirty="0" smtClean="0">
+                <a:latin typeface="Calibri" pitchFamily="34" charset="0"/>
+              </a:rPr>
               <a:t> </a:t>
             </a:r>
             <a:r>
-              <a:rPr lang="ru-RU" sz="2400" dirty="0" smtClean="0"/>
+              <a:rPr lang="ru-RU" dirty="0" smtClean="0">
+                <a:latin typeface="Calibri" pitchFamily="34" charset="0"/>
+              </a:rPr>
               <a:t>(</a:t>
             </a:r>
             <a:r>
-              <a:rPr lang="en-US" sz="2400" dirty="0" smtClean="0"/>
+              <a:rPr lang="en-US" dirty="0" smtClean="0">
+                <a:latin typeface="Calibri" pitchFamily="34" charset="0"/>
+              </a:rPr>
               <a:t>JavaScript Object Notation </a:t>
             </a:r>
             <a:r>
-              <a:rPr lang="ru-RU" sz="2400" dirty="0" smtClean="0"/>
+              <a:rPr lang="ru-RU" dirty="0" smtClean="0">
+                <a:latin typeface="Calibri" pitchFamily="34" charset="0"/>
+              </a:rPr>
               <a:t>)</a:t>
             </a:r>
             <a:r>
-              <a:rPr lang="en-US" sz="2400" dirty="0" smtClean="0"/>
+              <a:rPr lang="en-US" dirty="0" smtClean="0">
+                <a:latin typeface="Calibri" pitchFamily="34" charset="0"/>
+              </a:rPr>
               <a:t>– </a:t>
             </a:r>
             <a:r>
-              <a:rPr lang="ru-RU" sz="2400" dirty="0" smtClean="0"/>
+              <a:rPr lang="ru-RU" dirty="0" smtClean="0">
+                <a:latin typeface="Calibri" pitchFamily="34" charset="0"/>
+              </a:rPr>
               <a:t>формат данных, который используется для представления объектов в виде строки. </a:t>
             </a:r>
           </a:p>
@@ -3484,7 +3787,7 @@
         </p:nvSpPr>
         <p:spPr>
           <a:xfrm>
-            <a:off x="323528" y="3284984"/>
+            <a:off x="611560" y="2924944"/>
             <a:ext cx="4032448" cy="3139321"/>
           </a:xfrm>
           <a:prstGeom prst="rect">
@@ -3499,21 +3802,31 @@
           <a:lstStyle/>
           <a:p>
             <a:r>
-              <a:rPr lang="ru-RU" dirty="0" smtClean="0"/>
+              <a:rPr lang="ru-RU" dirty="0" smtClean="0">
+                <a:latin typeface="Calibri" pitchFamily="34" charset="0"/>
+              </a:rPr>
               <a:t>Данные в формате </a:t>
             </a:r>
             <a:r>
-              <a:rPr lang="ru-RU" dirty="0" err="1" smtClean="0"/>
+              <a:rPr lang="ru-RU" dirty="0" err="1" smtClean="0">
+                <a:latin typeface="Calibri" pitchFamily="34" charset="0"/>
+              </a:rPr>
               <a:t>JSO</a:t>
             </a:r>
             <a:r>
-              <a:rPr lang="en-US" dirty="0" smtClean="0"/>
+              <a:rPr lang="en-US" dirty="0" smtClean="0">
+                <a:latin typeface="Calibri" pitchFamily="34" charset="0"/>
+              </a:rPr>
               <a:t>N: </a:t>
             </a:r>
-            <a:endParaRPr lang="ru-RU" dirty="0" smtClean="0"/>
-          </a:p>
-          <a:p>
-            <a:endParaRPr lang="ru-RU" dirty="0" smtClean="0"/>
+            <a:endParaRPr lang="ru-RU" dirty="0" smtClean="0">
+              <a:latin typeface="Calibri" pitchFamily="34" charset="0"/>
+            </a:endParaRPr>
+          </a:p>
+          <a:p>
+            <a:endParaRPr lang="ru-RU" dirty="0" smtClean="0">
+              <a:latin typeface="Calibri" pitchFamily="34" charset="0"/>
+            </a:endParaRPr>
           </a:p>
           <a:p>
             <a:pPr>
@@ -3521,7 +3834,9 @@
               <a:buChar char="§"/>
             </a:pPr>
             <a:r>
-              <a:rPr lang="ru-RU" dirty="0" smtClean="0"/>
+              <a:rPr lang="ru-RU" dirty="0" smtClean="0">
+                <a:latin typeface="Calibri" pitchFamily="34" charset="0"/>
+              </a:rPr>
               <a:t>  JavaScript-объекты { ... } </a:t>
             </a:r>
           </a:p>
@@ -3531,7 +3846,9 @@
               <a:buChar char="§"/>
             </a:pPr>
             <a:r>
-              <a:rPr lang="ru-RU" dirty="0" smtClean="0"/>
+              <a:rPr lang="ru-RU" dirty="0" smtClean="0">
+                <a:latin typeface="Calibri" pitchFamily="34" charset="0"/>
+              </a:rPr>
               <a:t>  Массивы [ ... ] или</a:t>
             </a:r>
           </a:p>
@@ -3541,7 +3858,9 @@
               <a:buChar char="§"/>
             </a:pPr>
             <a:r>
-              <a:rPr lang="ru-RU" dirty="0" smtClean="0"/>
+              <a:rPr lang="ru-RU" dirty="0" smtClean="0">
+                <a:latin typeface="Calibri" pitchFamily="34" charset="0"/>
+              </a:rPr>
               <a:t>  Значения одного из типов:</a:t>
             </a:r>
           </a:p>
@@ -3551,7 +3870,9 @@
               <a:buAutoNum type="arabicPeriod"/>
             </a:pPr>
             <a:r>
-              <a:rPr lang="ru-RU" dirty="0" smtClean="0"/>
+              <a:rPr lang="ru-RU" dirty="0" smtClean="0">
+                <a:latin typeface="Calibri" pitchFamily="34" charset="0"/>
+              </a:rPr>
               <a:t>строки в двойных кавычках,</a:t>
             </a:r>
           </a:p>
@@ -3561,7 +3882,9 @@
               <a:buAutoNum type="arabicPeriod"/>
             </a:pPr>
             <a:r>
-              <a:rPr lang="ru-RU" dirty="0" smtClean="0"/>
+              <a:rPr lang="ru-RU" dirty="0" smtClean="0">
+                <a:latin typeface="Calibri" pitchFamily="34" charset="0"/>
+              </a:rPr>
               <a:t>число,</a:t>
             </a:r>
           </a:p>
@@ -3571,23 +3894,33 @@
               <a:buAutoNum type="arabicPeriod"/>
             </a:pPr>
             <a:r>
-              <a:rPr lang="ru-RU" dirty="0" smtClean="0"/>
+              <a:rPr lang="ru-RU" dirty="0" smtClean="0">
+                <a:latin typeface="Calibri" pitchFamily="34" charset="0"/>
+              </a:rPr>
               <a:t>логическое значение </a:t>
             </a:r>
             <a:r>
-              <a:rPr lang="ru-RU" dirty="0" err="1" smtClean="0"/>
+              <a:rPr lang="ru-RU" dirty="0" err="1" smtClean="0">
+                <a:latin typeface="Calibri" pitchFamily="34" charset="0"/>
+              </a:rPr>
               <a:t>true</a:t>
             </a:r>
             <a:r>
-              <a:rPr lang="ru-RU" dirty="0" smtClean="0"/>
+              <a:rPr lang="ru-RU" dirty="0" smtClean="0">
+                <a:latin typeface="Calibri" pitchFamily="34" charset="0"/>
+              </a:rPr>
               <a:t>/</a:t>
             </a:r>
             <a:r>
-              <a:rPr lang="ru-RU" dirty="0" err="1" smtClean="0"/>
+              <a:rPr lang="ru-RU" dirty="0" err="1" smtClean="0">
+                <a:latin typeface="Calibri" pitchFamily="34" charset="0"/>
+              </a:rPr>
               <a:t>false</a:t>
             </a:r>
             <a:r>
-              <a:rPr lang="ru-RU" dirty="0" smtClean="0"/>
+              <a:rPr lang="ru-RU" dirty="0" smtClean="0">
+                <a:latin typeface="Calibri" pitchFamily="34" charset="0"/>
+              </a:rPr>
               <a:t>,</a:t>
             </a:r>
           </a:p>
@@ -3597,23 +3930,38 @@
               <a:buAutoNum type="arabicPeriod"/>
             </a:pPr>
             <a:r>
-              <a:rPr lang="ru-RU" dirty="0" err="1" smtClean="0"/>
-              <a:t>null</a:t>
-            </a:r>
-            <a:r>
-              <a:rPr lang="ru-RU" dirty="0" smtClean="0"/>
-              <a:t>.</a:t>
-            </a:r>
-          </a:p>
-          <a:p>
-            <a:endParaRPr lang="en-US" dirty="0"/>
+              <a:rPr lang="en-US" dirty="0" smtClean="0">
+                <a:latin typeface="Calibri" pitchFamily="34" charset="0"/>
+              </a:rPr>
+              <a:t>n</a:t>
+            </a:r>
+            <a:r>
+              <a:rPr lang="ru-RU" dirty="0" err="1" smtClean="0">
+                <a:latin typeface="Calibri" pitchFamily="34" charset="0"/>
+              </a:rPr>
+              <a:t>ull</a:t>
+            </a:r>
+            <a:r>
+              <a:rPr lang="ru-RU" dirty="0" smtClean="0">
+                <a:latin typeface="Calibri" pitchFamily="34" charset="0"/>
+              </a:rPr>
+              <a:t> </a:t>
+            </a:r>
+            <a:endParaRPr lang="ru-RU" dirty="0" smtClean="0">
+              <a:latin typeface="Calibri" pitchFamily="34" charset="0"/>
+            </a:endParaRPr>
+          </a:p>
+          <a:p>
+            <a:endParaRPr lang="en-US" dirty="0">
+              <a:latin typeface="Calibri" pitchFamily="34" charset="0"/>
+            </a:endParaRPr>
           </a:p>
         </p:txBody>
       </p:sp>
     </p:spTree>
     <p:extLst>
       <p:ext uri="{BB962C8B-B14F-4D97-AF65-F5344CB8AC3E}">
-        <p14:creationId xmlns:p14="http://schemas.microsoft.com/office/powerpoint/2010/main" xmlns="" val="9290874"/>
+        <p14:creationId xmlns="" xmlns:p14="http://schemas.microsoft.com/office/powerpoint/2010/main" val="9290874"/>
       </p:ext>
     </p:extLst>
   </p:cSld>
@@ -3668,22 +4016,32 @@
           <a:lstStyle/>
           <a:p>
             <a:r>
-              <a:rPr lang="en-US" sz="3200" dirty="0" err="1" smtClean="0"/>
+              <a:rPr lang="en-US" sz="2800" dirty="0" err="1" smtClean="0">
+                <a:latin typeface="Calibri" pitchFamily="34" charset="0"/>
+              </a:rPr>
               <a:t>setTimeout</a:t>
             </a:r>
             <a:r>
-              <a:rPr lang="en-US" sz="3200" dirty="0" smtClean="0"/>
+              <a:rPr lang="en-US" sz="2800" dirty="0" smtClean="0">
+                <a:latin typeface="Calibri" pitchFamily="34" charset="0"/>
+              </a:rPr>
               <a:t> </a:t>
             </a:r>
             <a:r>
-              <a:rPr lang="ru-RU" sz="3200" dirty="0" smtClean="0"/>
+              <a:rPr lang="ru-RU" sz="2800" dirty="0" smtClean="0">
+                <a:latin typeface="Calibri" pitchFamily="34" charset="0"/>
+              </a:rPr>
               <a:t>и </a:t>
             </a:r>
             <a:r>
-              <a:rPr lang="en-US" sz="3200" dirty="0" err="1" smtClean="0"/>
+              <a:rPr lang="en-US" sz="2800" dirty="0" err="1" smtClean="0">
+                <a:latin typeface="Calibri" pitchFamily="34" charset="0"/>
+              </a:rPr>
               <a:t>setInterval</a:t>
             </a:r>
-            <a:endParaRPr lang="en-US" sz="3200" dirty="0"/>
+            <a:endParaRPr lang="en-US" sz="2800" dirty="0">
+              <a:latin typeface="Calibri" pitchFamily="34" charset="0"/>
+            </a:endParaRPr>
           </a:p>
         </p:txBody>
       </p:sp>
@@ -3724,29 +4082,43 @@
           <a:p>
             <a:pPr algn="ctr"/>
             <a:r>
-              <a:rPr lang="en-US" b="1" dirty="0" err="1" smtClean="0"/>
+              <a:rPr lang="en-US" b="1" dirty="0" err="1" smtClean="0">
+                <a:latin typeface="Calibri" pitchFamily="34" charset="0"/>
+              </a:rPr>
               <a:t>setTimeout</a:t>
             </a:r>
             <a:r>
-              <a:rPr lang="ru-RU" b="1" dirty="0" smtClean="0"/>
+              <a:rPr lang="ru-RU" b="1" dirty="0" smtClean="0">
+                <a:latin typeface="Calibri" pitchFamily="34" charset="0"/>
+              </a:rPr>
               <a:t> </a:t>
             </a:r>
             <a:r>
-              <a:rPr lang="en-US" b="1" dirty="0" smtClean="0"/>
+              <a:rPr lang="en-US" b="1" dirty="0" smtClean="0">
+                <a:latin typeface="Calibri" pitchFamily="34" charset="0"/>
+              </a:rPr>
               <a:t>()</a:t>
             </a:r>
-            <a:endParaRPr lang="ru-RU" b="1" dirty="0" smtClean="0"/>
-          </a:p>
-          <a:p>
-            <a:endParaRPr lang="ru-RU" b="1" dirty="0" smtClean="0"/>
-          </a:p>
-          <a:p>
-            <a:r>
-              <a:rPr lang="ru-RU" dirty="0" smtClean="0"/>
+            <a:endParaRPr lang="ru-RU" b="1" dirty="0" smtClean="0">
+              <a:latin typeface="Calibri" pitchFamily="34" charset="0"/>
+            </a:endParaRPr>
+          </a:p>
+          <a:p>
+            <a:endParaRPr lang="ru-RU" b="1" dirty="0" smtClean="0">
+              <a:latin typeface="Calibri" pitchFamily="34" charset="0"/>
+            </a:endParaRPr>
+          </a:p>
+          <a:p>
+            <a:r>
+              <a:rPr lang="ru-RU" dirty="0" smtClean="0">
+                <a:latin typeface="Calibri" pitchFamily="34" charset="0"/>
+              </a:rPr>
               <a:t>Синтаксис</a:t>
             </a:r>
             <a:r>
-              <a:rPr lang="en-US" dirty="0" smtClean="0"/>
+              <a:rPr lang="en-US" dirty="0" smtClean="0">
+                <a:latin typeface="Calibri" pitchFamily="34" charset="0"/>
+              </a:rPr>
               <a:t>: </a:t>
             </a:r>
           </a:p>
@@ -3758,51 +4130,74 @@
                     <a:lumMod val="75000"/>
                   </a:schemeClr>
                 </a:solidFill>
+                <a:latin typeface="Calibri" pitchFamily="34" charset="0"/>
               </a:rPr>
               <a:t>var</a:t>
             </a:r>
             <a:r>
-              <a:rPr lang="en-US" dirty="0" smtClean="0"/>
+              <a:rPr lang="en-US" dirty="0" smtClean="0">
+                <a:latin typeface="Calibri" pitchFamily="34" charset="0"/>
+              </a:rPr>
               <a:t> </a:t>
             </a:r>
             <a:r>
-              <a:rPr lang="en-US" dirty="0" err="1" smtClean="0"/>
+              <a:rPr lang="en-US" dirty="0" err="1" smtClean="0">
+                <a:latin typeface="Calibri" pitchFamily="34" charset="0"/>
+              </a:rPr>
               <a:t>timerId</a:t>
             </a:r>
             <a:r>
-              <a:rPr lang="en-US" dirty="0" smtClean="0"/>
+              <a:rPr lang="en-US" dirty="0" smtClean="0">
+                <a:latin typeface="Calibri" pitchFamily="34" charset="0"/>
+              </a:rPr>
               <a:t> = </a:t>
             </a:r>
             <a:r>
-              <a:rPr lang="en-US" dirty="0" err="1" smtClean="0"/>
+              <a:rPr lang="en-US" dirty="0" err="1" smtClean="0">
+                <a:latin typeface="Calibri" pitchFamily="34" charset="0"/>
+              </a:rPr>
               <a:t>setTimeout</a:t>
             </a:r>
             <a:r>
-              <a:rPr lang="en-US" dirty="0" smtClean="0"/>
+              <a:rPr lang="en-US" dirty="0" smtClean="0">
+                <a:latin typeface="Calibri" pitchFamily="34" charset="0"/>
+              </a:rPr>
               <a:t>(</a:t>
             </a:r>
             <a:r>
-              <a:rPr lang="en-US" dirty="0" err="1" smtClean="0"/>
+              <a:rPr lang="en-US" dirty="0" err="1" smtClean="0">
+                <a:latin typeface="Calibri" pitchFamily="34" charset="0"/>
+              </a:rPr>
               <a:t>func</a:t>
             </a:r>
             <a:r>
-              <a:rPr lang="en-US" dirty="0" smtClean="0"/>
+              <a:rPr lang="en-US" dirty="0" smtClean="0">
+                <a:latin typeface="Calibri" pitchFamily="34" charset="0"/>
+              </a:rPr>
               <a:t> / code, delay[, </a:t>
             </a:r>
             <a:r>
-              <a:rPr lang="en-US" dirty="0" err="1" smtClean="0"/>
+              <a:rPr lang="en-US" dirty="0" err="1" smtClean="0">
+                <a:latin typeface="Calibri" pitchFamily="34" charset="0"/>
+              </a:rPr>
               <a:t>arg1</a:t>
             </a:r>
             <a:r>
-              <a:rPr lang="en-US" dirty="0" smtClean="0"/>
+              <a:rPr lang="en-US" dirty="0" smtClean="0">
+                <a:latin typeface="Calibri" pitchFamily="34" charset="0"/>
+              </a:rPr>
               <a:t>, </a:t>
             </a:r>
             <a:r>
-              <a:rPr lang="en-US" dirty="0" err="1" smtClean="0"/>
+              <a:rPr lang="en-US" dirty="0" err="1" smtClean="0">
+                <a:latin typeface="Calibri" pitchFamily="34" charset="0"/>
+              </a:rPr>
               <a:t>arg2</a:t>
             </a:r>
             <a:r>
-              <a:rPr lang="en-US" dirty="0" smtClean="0"/>
+              <a:rPr lang="en-US" dirty="0" smtClean="0">
+                <a:latin typeface="Calibri" pitchFamily="34" charset="0"/>
+              </a:rPr>
               <a:t>...])</a:t>
             </a:r>
           </a:p>
@@ -3845,7 +4240,9 @@
           <a:p>
             <a:pPr algn="ctr"/>
             <a:r>
-              <a:rPr lang="ru-RU" dirty="0" smtClean="0"/>
+              <a:rPr lang="ru-RU" dirty="0" smtClean="0">
+                <a:latin typeface="Calibri" pitchFamily="34" charset="0"/>
+              </a:rPr>
               <a:t>Параметры:</a:t>
             </a:r>
           </a:p>
@@ -3855,30 +4252,44 @@
               <a:buChar char="§"/>
             </a:pPr>
             <a:r>
-              <a:rPr lang="en-US" dirty="0" smtClean="0"/>
+              <a:rPr lang="en-US" dirty="0" smtClean="0">
+                <a:latin typeface="Calibri" pitchFamily="34" charset="0"/>
+              </a:rPr>
               <a:t>  F</a:t>
             </a:r>
             <a:r>
-              <a:rPr lang="ru-RU" dirty="0" err="1" smtClean="0"/>
+              <a:rPr lang="ru-RU" dirty="0" err="1" smtClean="0">
+                <a:latin typeface="Calibri" pitchFamily="34" charset="0"/>
+              </a:rPr>
               <a:t>unc</a:t>
             </a:r>
             <a:r>
-              <a:rPr lang="ru-RU" dirty="0" smtClean="0"/>
+              <a:rPr lang="ru-RU" dirty="0" smtClean="0">
+                <a:latin typeface="Calibri" pitchFamily="34" charset="0"/>
+              </a:rPr>
               <a:t>/</a:t>
             </a:r>
             <a:r>
-              <a:rPr lang="ru-RU" dirty="0" err="1" smtClean="0"/>
+              <a:rPr lang="ru-RU" dirty="0" err="1" smtClean="0">
+                <a:latin typeface="Calibri" pitchFamily="34" charset="0"/>
+              </a:rPr>
               <a:t>code</a:t>
             </a:r>
             <a:r>
-              <a:rPr lang="en-US" dirty="0" smtClean="0"/>
+              <a:rPr lang="en-US" dirty="0" smtClean="0">
+                <a:latin typeface="Calibri" pitchFamily="34" charset="0"/>
+              </a:rPr>
               <a:t> - </a:t>
             </a:r>
             <a:r>
-              <a:rPr lang="ru-RU" dirty="0" smtClean="0"/>
+              <a:rPr lang="ru-RU" dirty="0" smtClean="0">
+                <a:latin typeface="Calibri" pitchFamily="34" charset="0"/>
+              </a:rPr>
               <a:t>Функция или строка кода для исполнения. </a:t>
             </a:r>
-            <a:endParaRPr lang="en-US" dirty="0" smtClean="0"/>
+            <a:endParaRPr lang="en-US" dirty="0" smtClean="0">
+              <a:latin typeface="Calibri" pitchFamily="34" charset="0"/>
+            </a:endParaRPr>
           </a:p>
           <a:p>
             <a:pPr>
@@ -3886,39 +4297,57 @@
               <a:buChar char="§"/>
             </a:pPr>
             <a:r>
-              <a:rPr lang="en-US" dirty="0" smtClean="0"/>
+              <a:rPr lang="en-US" dirty="0" smtClean="0">
+                <a:latin typeface="Calibri" pitchFamily="34" charset="0"/>
+              </a:rPr>
               <a:t>  D</a:t>
             </a:r>
             <a:r>
-              <a:rPr lang="ru-RU" dirty="0" err="1" smtClean="0"/>
+              <a:rPr lang="ru-RU" dirty="0" err="1" smtClean="0">
+                <a:latin typeface="Calibri" pitchFamily="34" charset="0"/>
+              </a:rPr>
               <a:t>elay</a:t>
             </a:r>
             <a:r>
-              <a:rPr lang="en-US" dirty="0" smtClean="0"/>
+              <a:rPr lang="en-US" dirty="0" smtClean="0">
+                <a:latin typeface="Calibri" pitchFamily="34" charset="0"/>
+              </a:rPr>
               <a:t>/Interval - </a:t>
             </a:r>
             <a:r>
-              <a:rPr lang="ru-RU" dirty="0" smtClean="0"/>
+              <a:rPr lang="ru-RU" dirty="0" smtClean="0">
+                <a:latin typeface="Calibri" pitchFamily="34" charset="0"/>
+              </a:rPr>
               <a:t>Задержка в </a:t>
             </a:r>
             <a:r>
-              <a:rPr lang="ru-RU" dirty="0" err="1" smtClean="0"/>
+              <a:rPr lang="ru-RU" dirty="0" err="1" smtClean="0">
+                <a:latin typeface="Calibri" pitchFamily="34" charset="0"/>
+              </a:rPr>
               <a:t>милисекундах</a:t>
             </a:r>
             <a:r>
-              <a:rPr lang="ru-RU" dirty="0" smtClean="0"/>
+              <a:rPr lang="ru-RU" dirty="0" smtClean="0">
+                <a:latin typeface="Calibri" pitchFamily="34" charset="0"/>
+              </a:rPr>
               <a:t>, 1000 </a:t>
             </a:r>
             <a:r>
-              <a:rPr lang="ru-RU" dirty="0" err="1" smtClean="0"/>
+              <a:rPr lang="ru-RU" dirty="0" err="1" smtClean="0">
+                <a:latin typeface="Calibri" pitchFamily="34" charset="0"/>
+              </a:rPr>
               <a:t>милисекунд</a:t>
             </a:r>
             <a:r>
-              <a:rPr lang="ru-RU" dirty="0" smtClean="0"/>
+              <a:rPr lang="ru-RU" dirty="0" smtClean="0">
+                <a:latin typeface="Calibri" pitchFamily="34" charset="0"/>
+              </a:rPr>
               <a:t> равны 1 секунде.</a:t>
             </a:r>
             <a:r>
-              <a:rPr lang="en-US" dirty="0" smtClean="0"/>
+              <a:rPr lang="en-US" dirty="0" smtClean="0">
+                <a:latin typeface="Calibri" pitchFamily="34" charset="0"/>
+              </a:rPr>
               <a:t> </a:t>
             </a:r>
           </a:p>
@@ -3928,34 +4357,50 @@
               <a:buChar char="§"/>
             </a:pPr>
             <a:r>
-              <a:rPr lang="en-US" dirty="0" smtClean="0"/>
+              <a:rPr lang="en-US" dirty="0" smtClean="0">
+                <a:latin typeface="Calibri" pitchFamily="34" charset="0"/>
+              </a:rPr>
               <a:t>  </a:t>
             </a:r>
             <a:r>
-              <a:rPr lang="ru-RU" dirty="0" err="1" smtClean="0"/>
+              <a:rPr lang="ru-RU" dirty="0" err="1" smtClean="0">
+                <a:latin typeface="Calibri" pitchFamily="34" charset="0"/>
+              </a:rPr>
               <a:t>arg1</a:t>
             </a:r>
             <a:r>
-              <a:rPr lang="ru-RU" dirty="0" smtClean="0"/>
+              <a:rPr lang="ru-RU" dirty="0" smtClean="0">
+                <a:latin typeface="Calibri" pitchFamily="34" charset="0"/>
+              </a:rPr>
               <a:t>, </a:t>
             </a:r>
             <a:r>
-              <a:rPr lang="ru-RU" dirty="0" err="1" smtClean="0"/>
+              <a:rPr lang="ru-RU" dirty="0" err="1" smtClean="0">
+                <a:latin typeface="Calibri" pitchFamily="34" charset="0"/>
+              </a:rPr>
               <a:t>arg2</a:t>
             </a:r>
             <a:r>
-              <a:rPr lang="ru-RU" dirty="0" smtClean="0"/>
+              <a:rPr lang="ru-RU" dirty="0" smtClean="0">
+                <a:latin typeface="Calibri" pitchFamily="34" charset="0"/>
+              </a:rPr>
               <a:t>…</a:t>
             </a:r>
             <a:r>
-              <a:rPr lang="en-US" dirty="0" smtClean="0"/>
+              <a:rPr lang="en-US" dirty="0" smtClean="0">
+                <a:latin typeface="Calibri" pitchFamily="34" charset="0"/>
+              </a:rPr>
               <a:t> - </a:t>
             </a:r>
             <a:r>
-              <a:rPr lang="ru-RU" dirty="0" smtClean="0"/>
+              <a:rPr lang="ru-RU" dirty="0" smtClean="0">
+                <a:latin typeface="Calibri" pitchFamily="34" charset="0"/>
+              </a:rPr>
               <a:t>Аргументы, которые нужно передать функции. </a:t>
             </a:r>
-            <a:endParaRPr lang="en-US" dirty="0"/>
+            <a:endParaRPr lang="en-US" dirty="0">
+              <a:latin typeface="Calibri" pitchFamily="34" charset="0"/>
+            </a:endParaRPr>
           </a:p>
         </p:txBody>
       </p:sp>
@@ -3996,24 +4441,34 @@
           <a:p>
             <a:pPr algn="ctr"/>
             <a:r>
-              <a:rPr lang="en-US" b="1" dirty="0" err="1" smtClean="0"/>
+              <a:rPr lang="en-US" b="1" dirty="0" err="1" smtClean="0">
+                <a:latin typeface="Calibri" pitchFamily="34" charset="0"/>
+              </a:rPr>
               <a:t>setInterval</a:t>
             </a:r>
             <a:r>
-              <a:rPr lang="en-US" b="1" dirty="0" smtClean="0"/>
+              <a:rPr lang="en-US" b="1" dirty="0" smtClean="0">
+                <a:latin typeface="Calibri" pitchFamily="34" charset="0"/>
+              </a:rPr>
               <a:t>() </a:t>
             </a:r>
           </a:p>
           <a:p>
-            <a:endParaRPr lang="en-US" b="1" dirty="0" smtClean="0"/>
-          </a:p>
-          <a:p>
-            <a:r>
-              <a:rPr lang="ru-RU" dirty="0" smtClean="0"/>
+            <a:endParaRPr lang="en-US" b="1" dirty="0" smtClean="0">
+              <a:latin typeface="Calibri" pitchFamily="34" charset="0"/>
+            </a:endParaRPr>
+          </a:p>
+          <a:p>
+            <a:r>
+              <a:rPr lang="ru-RU" dirty="0" smtClean="0">
+                <a:latin typeface="Calibri" pitchFamily="34" charset="0"/>
+              </a:rPr>
               <a:t>Синтаксис</a:t>
             </a:r>
             <a:r>
-              <a:rPr lang="en-US" dirty="0" smtClean="0"/>
+              <a:rPr lang="en-US" dirty="0" smtClean="0">
+                <a:latin typeface="Calibri" pitchFamily="34" charset="0"/>
+              </a:rPr>
               <a:t>: </a:t>
             </a:r>
           </a:p>
@@ -4025,6 +4480,7 @@
                     <a:lumMod val="75000"/>
                   </a:schemeClr>
                 </a:solidFill>
+                <a:latin typeface="Calibri" pitchFamily="34" charset="0"/>
               </a:rPr>
               <a:t>var</a:t>
             </a:r>
@@ -4035,57 +4491,80 @@
                     <a:lumMod val="75000"/>
                   </a:schemeClr>
                 </a:solidFill>
+                <a:latin typeface="Calibri" pitchFamily="34" charset="0"/>
               </a:rPr>
               <a:t> </a:t>
             </a:r>
             <a:r>
-              <a:rPr lang="en-US" dirty="0" err="1" smtClean="0"/>
+              <a:rPr lang="en-US" dirty="0" err="1" smtClean="0">
+                <a:latin typeface="Calibri" pitchFamily="34" charset="0"/>
+              </a:rPr>
               <a:t>timerId</a:t>
             </a:r>
             <a:r>
-              <a:rPr lang="en-US" dirty="0" smtClean="0"/>
+              <a:rPr lang="en-US" dirty="0" smtClean="0">
+                <a:latin typeface="Calibri" pitchFamily="34" charset="0"/>
+              </a:rPr>
               <a:t> = </a:t>
             </a:r>
             <a:r>
-              <a:rPr lang="en-US" dirty="0" err="1" smtClean="0"/>
+              <a:rPr lang="en-US" dirty="0" err="1" smtClean="0">
+                <a:latin typeface="Calibri" pitchFamily="34" charset="0"/>
+              </a:rPr>
               <a:t>setInterval</a:t>
             </a:r>
             <a:r>
-              <a:rPr lang="en-US" dirty="0" smtClean="0"/>
+              <a:rPr lang="en-US" dirty="0" smtClean="0">
+                <a:latin typeface="Calibri" pitchFamily="34" charset="0"/>
+              </a:rPr>
               <a:t>(</a:t>
             </a:r>
             <a:r>
-              <a:rPr lang="en-US" dirty="0" err="1" smtClean="0"/>
+              <a:rPr lang="en-US" dirty="0" err="1" smtClean="0">
+                <a:latin typeface="Calibri" pitchFamily="34" charset="0"/>
+              </a:rPr>
               <a:t>func</a:t>
             </a:r>
             <a:r>
-              <a:rPr lang="en-US" dirty="0" smtClean="0"/>
+              <a:rPr lang="en-US" dirty="0" smtClean="0">
+                <a:latin typeface="Calibri" pitchFamily="34" charset="0"/>
+              </a:rPr>
               <a:t> / code, interval[, </a:t>
             </a:r>
             <a:r>
-              <a:rPr lang="en-US" dirty="0" err="1" smtClean="0"/>
+              <a:rPr lang="en-US" dirty="0" err="1" smtClean="0">
+                <a:latin typeface="Calibri" pitchFamily="34" charset="0"/>
+              </a:rPr>
               <a:t>arg1</a:t>
             </a:r>
             <a:r>
-              <a:rPr lang="en-US" dirty="0" smtClean="0"/>
+              <a:rPr lang="en-US" dirty="0" smtClean="0">
+                <a:latin typeface="Calibri" pitchFamily="34" charset="0"/>
+              </a:rPr>
               <a:t>, </a:t>
             </a:r>
             <a:r>
-              <a:rPr lang="en-US" dirty="0" err="1" smtClean="0"/>
+              <a:rPr lang="en-US" dirty="0" err="1" smtClean="0">
+                <a:latin typeface="Calibri" pitchFamily="34" charset="0"/>
+              </a:rPr>
               <a:t>arg2</a:t>
             </a:r>
             <a:r>
-              <a:rPr lang="en-US" dirty="0" smtClean="0"/>
+              <a:rPr lang="en-US" dirty="0" smtClean="0">
+                <a:latin typeface="Calibri" pitchFamily="34" charset="0"/>
+              </a:rPr>
               <a:t>...])</a:t>
             </a:r>
-            <a:endParaRPr lang="en-US" dirty="0"/>
+            <a:endParaRPr lang="en-US" dirty="0">
+              <a:latin typeface="Calibri" pitchFamily="34" charset="0"/>
+            </a:endParaRPr>
           </a:p>
         </p:txBody>
       </p:sp>
     </p:spTree>
     <p:extLst>
       <p:ext uri="{BB962C8B-B14F-4D97-AF65-F5344CB8AC3E}">
-        <p14:creationId xmlns:p14="http://schemas.microsoft.com/office/powerpoint/2010/main" xmlns="" val="9290874"/>
+        <p14:creationId xmlns="" xmlns:p14="http://schemas.microsoft.com/office/powerpoint/2010/main" val="9290874"/>
       </p:ext>
     </p:extLst>
   </p:cSld>
@@ -4140,14 +4619,20 @@
           <a:lstStyle/>
           <a:p>
             <a:r>
-              <a:rPr lang="ru-RU" sz="3200" b="1" dirty="0" smtClean="0"/>
+              <a:rPr lang="ru-RU" sz="2800" dirty="0" smtClean="0">
+                <a:latin typeface="Calibri" pitchFamily="34" charset="0"/>
+              </a:rPr>
               <a:t>Запуск кода из строки. </a:t>
             </a:r>
             <a:r>
-              <a:rPr lang="en-US" sz="3200" b="1" dirty="0" err="1" smtClean="0"/>
+              <a:rPr lang="en-US" sz="2800" dirty="0" err="1" smtClean="0">
+                <a:latin typeface="Calibri" pitchFamily="34" charset="0"/>
+              </a:rPr>
               <a:t>Eval</a:t>
             </a:r>
-            <a:endParaRPr lang="en-US" sz="3200" b="1" dirty="0"/>
+            <a:endParaRPr lang="en-US" sz="2800" dirty="0">
+              <a:latin typeface="Calibri" pitchFamily="34" charset="0"/>
+            </a:endParaRPr>
           </a:p>
         </p:txBody>
       </p:sp>
@@ -4159,7 +4644,7 @@
         </p:nvSpPr>
         <p:spPr>
           <a:xfrm>
-            <a:off x="539552" y="1700808"/>
+            <a:off x="539552" y="1484784"/>
             <a:ext cx="2808312" cy="1754326"/>
           </a:xfrm>
           <a:prstGeom prst="rect">
@@ -4187,11 +4672,15 @@
           <a:lstStyle/>
           <a:p>
             <a:r>
-              <a:rPr lang="ru-RU" dirty="0" smtClean="0"/>
+              <a:rPr lang="ru-RU" dirty="0" smtClean="0">
+                <a:latin typeface="Calibri" pitchFamily="34" charset="0"/>
+              </a:rPr>
               <a:t>Пример</a:t>
             </a:r>
             <a:r>
-              <a:rPr lang="en-US" dirty="0" smtClean="0"/>
+              <a:rPr lang="en-US" dirty="0" smtClean="0">
+                <a:latin typeface="Calibri" pitchFamily="34" charset="0"/>
+              </a:rPr>
               <a:t>: </a:t>
             </a:r>
           </a:p>
@@ -4202,6 +4691,7 @@
                   <a:lumMod val="75000"/>
                 </a:schemeClr>
               </a:solidFill>
+              <a:latin typeface="Calibri" pitchFamily="34" charset="0"/>
             </a:endParaRPr>
           </a:p>
           <a:p>
@@ -4212,6 +4702,7 @@
                     <a:lumMod val="75000"/>
                   </a:schemeClr>
                 </a:solidFill>
+                <a:latin typeface="Calibri" pitchFamily="34" charset="0"/>
               </a:rPr>
               <a:t>var</a:t>
             </a:r>
@@ -4222,18 +4713,25 @@
                     <a:lumMod val="75000"/>
                   </a:schemeClr>
                 </a:solidFill>
+                <a:latin typeface="Calibri" pitchFamily="34" charset="0"/>
               </a:rPr>
               <a:t> </a:t>
             </a:r>
             <a:r>
-              <a:rPr lang="en-US" dirty="0" smtClean="0"/>
+              <a:rPr lang="en-US" dirty="0" smtClean="0">
+                <a:latin typeface="Calibri" pitchFamily="34" charset="0"/>
+              </a:rPr>
               <a:t>a = 1; </a:t>
             </a:r>
-            <a:endParaRPr lang="ru-RU" dirty="0" smtClean="0"/>
-          </a:p>
-          <a:p>
-            <a:r>
-              <a:rPr lang="en-US" dirty="0" smtClean="0"/>
+            <a:endParaRPr lang="ru-RU" dirty="0" smtClean="0">
+              <a:latin typeface="Calibri" pitchFamily="34" charset="0"/>
+            </a:endParaRPr>
+          </a:p>
+          <a:p>
+            <a:r>
+              <a:rPr lang="en-US" dirty="0" smtClean="0">
+                <a:latin typeface="Calibri" pitchFamily="34" charset="0"/>
+              </a:rPr>
               <a:t>(</a:t>
             </a:r>
             <a:r>
@@ -4243,11 +4741,14 @@
                     <a:lumMod val="75000"/>
                   </a:schemeClr>
                 </a:solidFill>
+                <a:latin typeface="Calibri" pitchFamily="34" charset="0"/>
               </a:rPr>
               <a:t>function</a:t>
             </a:r>
             <a:r>
-              <a:rPr lang="en-US" dirty="0" smtClean="0"/>
+              <a:rPr lang="en-US" dirty="0" smtClean="0">
+                <a:latin typeface="Calibri" pitchFamily="34" charset="0"/>
+              </a:rPr>
               <a:t>() </a:t>
             </a:r>
             <a:r>
@@ -4257,6 +4758,7 @@
                     <a:lumMod val="75000"/>
                   </a:schemeClr>
                 </a:solidFill>
+                <a:latin typeface="Calibri" pitchFamily="34" charset="0"/>
               </a:rPr>
               <a:t>{ </a:t>
             </a:r>
@@ -4267,6 +4769,7 @@
                     <a:lumMod val="75000"/>
                   </a:schemeClr>
                 </a:solidFill>
+                <a:latin typeface="Calibri" pitchFamily="34" charset="0"/>
               </a:rPr>
               <a:t>var</a:t>
             </a:r>
@@ -4277,11 +4780,14 @@
                     <a:lumMod val="75000"/>
                   </a:schemeClr>
                 </a:solidFill>
+                <a:latin typeface="Calibri" pitchFamily="34" charset="0"/>
               </a:rPr>
               <a:t> </a:t>
             </a:r>
             <a:r>
-              <a:rPr lang="en-US" dirty="0" smtClean="0"/>
+              <a:rPr lang="en-US" dirty="0" smtClean="0">
+                <a:latin typeface="Calibri" pitchFamily="34" charset="0"/>
+              </a:rPr>
               <a:t>a = 2; </a:t>
             </a:r>
             <a:r>
@@ -4291,21 +4797,30 @@
                     <a:lumMod val="75000"/>
                   </a:schemeClr>
                 </a:solidFill>
+                <a:latin typeface="Calibri" pitchFamily="34" charset="0"/>
               </a:rPr>
               <a:t>eval</a:t>
             </a:r>
             <a:r>
-              <a:rPr lang="en-US" dirty="0" smtClean="0"/>
+              <a:rPr lang="en-US" dirty="0" smtClean="0">
+                <a:latin typeface="Calibri" pitchFamily="34" charset="0"/>
+              </a:rPr>
               <a:t>(' alert(a) ');  </a:t>
             </a:r>
-            <a:endParaRPr lang="ru-RU" dirty="0" smtClean="0"/>
-          </a:p>
-          <a:p>
-            <a:r>
-              <a:rPr lang="en-US" dirty="0" smtClean="0"/>
+            <a:endParaRPr lang="ru-RU" dirty="0" smtClean="0">
+              <a:latin typeface="Calibri" pitchFamily="34" charset="0"/>
+            </a:endParaRPr>
+          </a:p>
+          <a:p>
+            <a:r>
+              <a:rPr lang="en-US" dirty="0" smtClean="0">
+                <a:latin typeface="Calibri" pitchFamily="34" charset="0"/>
+              </a:rPr>
               <a:t>})()</a:t>
             </a:r>
-            <a:endParaRPr lang="en-US" dirty="0"/>
+            <a:endParaRPr lang="en-US" dirty="0">
+              <a:latin typeface="Calibri" pitchFamily="34" charset="0"/>
+            </a:endParaRPr>
           </a:p>
         </p:txBody>
       </p:sp>
@@ -4318,7 +4833,7 @@
         <p:spPr>
           <a:xfrm>
             <a:off x="3491880" y="1412776"/>
-            <a:ext cx="5328592" cy="2585323"/>
+            <a:ext cx="5328592" cy="1754326"/>
           </a:xfrm>
           <a:prstGeom prst="rect">
             <a:avLst/>
@@ -4332,53 +4847,77 @@
           <a:lstStyle/>
           <a:p>
             <a:r>
-              <a:rPr lang="ru-RU" sz="2400" dirty="0" smtClean="0"/>
+              <a:rPr lang="ru-RU" dirty="0" smtClean="0">
+                <a:latin typeface="Calibri" pitchFamily="34" charset="0"/>
+              </a:rPr>
               <a:t>Функция </a:t>
             </a:r>
             <a:r>
-              <a:rPr lang="ru-RU" sz="2400" b="1" dirty="0" err="1" smtClean="0"/>
+              <a:rPr lang="ru-RU" b="1" dirty="0" err="1" smtClean="0">
+                <a:latin typeface="Calibri" pitchFamily="34" charset="0"/>
+              </a:rPr>
               <a:t>eval</a:t>
             </a:r>
             <a:r>
-              <a:rPr lang="ru-RU" sz="2400" b="1" dirty="0" smtClean="0"/>
+              <a:rPr lang="ru-RU" b="1" dirty="0" smtClean="0">
+                <a:latin typeface="Calibri" pitchFamily="34" charset="0"/>
+              </a:rPr>
               <a:t>(</a:t>
             </a:r>
             <a:r>
-              <a:rPr lang="ru-RU" sz="2400" b="1" dirty="0" err="1" smtClean="0"/>
+              <a:rPr lang="ru-RU" b="1" dirty="0" err="1" smtClean="0">
+                <a:latin typeface="Calibri" pitchFamily="34" charset="0"/>
+              </a:rPr>
               <a:t>code</a:t>
             </a:r>
             <a:r>
-              <a:rPr lang="ru-RU" sz="2400" b="1" dirty="0" smtClean="0"/>
+              <a:rPr lang="ru-RU" b="1" dirty="0" smtClean="0">
+                <a:latin typeface="Calibri" pitchFamily="34" charset="0"/>
+              </a:rPr>
               <a:t>) </a:t>
             </a:r>
             <a:r>
-              <a:rPr lang="ru-RU" sz="2400" dirty="0" smtClean="0"/>
+              <a:rPr lang="ru-RU" dirty="0" smtClean="0">
+                <a:latin typeface="Calibri" pitchFamily="34" charset="0"/>
+              </a:rPr>
               <a:t>позволяет выполнить код, переданный ей в виде строки.</a:t>
             </a:r>
             <a:r>
-              <a:rPr lang="en-US" sz="2400" dirty="0" smtClean="0"/>
+              <a:rPr lang="en-US" dirty="0" smtClean="0">
+                <a:latin typeface="Calibri" pitchFamily="34" charset="0"/>
+              </a:rPr>
               <a:t> </a:t>
             </a:r>
           </a:p>
           <a:p>
-            <a:endParaRPr lang="ru-RU" sz="2400" dirty="0" smtClean="0"/>
-          </a:p>
-          <a:p>
-            <a:r>
-              <a:rPr lang="ru-RU" sz="2400" dirty="0" smtClean="0"/>
+            <a:endParaRPr lang="ru-RU" dirty="0" smtClean="0">
+              <a:latin typeface="Calibri" pitchFamily="34" charset="0"/>
+            </a:endParaRPr>
+          </a:p>
+          <a:p>
+            <a:r>
+              <a:rPr lang="ru-RU" dirty="0" smtClean="0">
+                <a:latin typeface="Calibri" pitchFamily="34" charset="0"/>
+              </a:rPr>
               <a:t>Этот код будет выполнен в </a:t>
             </a:r>
             <a:r>
-              <a:rPr lang="ru-RU" sz="2400" i="1" dirty="0" smtClean="0"/>
+              <a:rPr lang="ru-RU" i="1" dirty="0" smtClean="0">
+                <a:latin typeface="Calibri" pitchFamily="34" charset="0"/>
+              </a:rPr>
               <a:t>текущей области видимости</a:t>
             </a:r>
             <a:r>
-              <a:rPr lang="ru-RU" sz="2400" dirty="0" smtClean="0"/>
+              <a:rPr lang="ru-RU" dirty="0" smtClean="0">
+                <a:latin typeface="Calibri" pitchFamily="34" charset="0"/>
+              </a:rPr>
               <a:t>.</a:t>
             </a:r>
           </a:p>
           <a:p>
-            <a:endParaRPr lang="en-US" dirty="0"/>
+            <a:endParaRPr lang="en-US" dirty="0">
+              <a:latin typeface="Calibri" pitchFamily="34" charset="0"/>
+            </a:endParaRPr>
           </a:p>
         </p:txBody>
       </p:sp>
@@ -4390,8 +4929,8 @@
         </p:nvSpPr>
         <p:spPr>
           <a:xfrm>
-            <a:off x="467544" y="4221088"/>
-            <a:ext cx="8136904" cy="2308324"/>
+            <a:off x="467544" y="4077072"/>
+            <a:ext cx="8136904" cy="1754326"/>
           </a:xfrm>
           <a:prstGeom prst="rect">
             <a:avLst/>
@@ -4405,125 +4944,165 @@
           <a:lstStyle/>
           <a:p>
             <a:r>
-              <a:rPr lang="ru-RU" sz="2400" dirty="0" smtClean="0"/>
+              <a:rPr lang="ru-RU" dirty="0" smtClean="0">
+                <a:latin typeface="Calibri" pitchFamily="34" charset="0"/>
+              </a:rPr>
               <a:t>Альтернатива методу </a:t>
             </a:r>
             <a:r>
-              <a:rPr lang="en-US" sz="2400" dirty="0" err="1" smtClean="0"/>
+              <a:rPr lang="en-US" dirty="0" err="1" smtClean="0">
+                <a:latin typeface="Calibri" pitchFamily="34" charset="0"/>
+              </a:rPr>
               <a:t>eval</a:t>
             </a:r>
             <a:r>
-              <a:rPr lang="en-US" sz="2400" dirty="0" smtClean="0"/>
+              <a:rPr lang="en-US" dirty="0" smtClean="0">
+                <a:latin typeface="Calibri" pitchFamily="34" charset="0"/>
+              </a:rPr>
               <a:t> – </a:t>
             </a:r>
             <a:r>
-              <a:rPr lang="ru-RU" sz="2400" dirty="0" smtClean="0"/>
+              <a:rPr lang="ru-RU" dirty="0" smtClean="0">
+                <a:latin typeface="Calibri" pitchFamily="34" charset="0"/>
+              </a:rPr>
               <a:t>конструктор </a:t>
             </a:r>
             <a:r>
-              <a:rPr lang="en-US" sz="2400" b="1" dirty="0" smtClean="0"/>
+              <a:rPr lang="en-US" b="1" dirty="0" smtClean="0">
+                <a:latin typeface="Calibri" pitchFamily="34" charset="0"/>
+              </a:rPr>
               <a:t>new Function.</a:t>
             </a:r>
             <a:r>
-              <a:rPr lang="ru-RU" sz="2400" b="1" dirty="0" smtClean="0"/>
+              <a:rPr lang="ru-RU" b="1" dirty="0" smtClean="0">
+                <a:latin typeface="Calibri" pitchFamily="34" charset="0"/>
+              </a:rPr>
               <a:t> </a:t>
             </a:r>
           </a:p>
           <a:p>
-            <a:endParaRPr lang="ru-RU" sz="2400" b="1" dirty="0" smtClean="0"/>
-          </a:p>
-          <a:p>
-            <a:endParaRPr lang="en-US" sz="2400" dirty="0" smtClean="0"/>
-          </a:p>
-          <a:p>
-            <a:r>
-              <a:rPr lang="en-US" sz="2400" dirty="0" err="1" smtClean="0">
+            <a:endParaRPr lang="ru-RU" b="1" dirty="0" smtClean="0">
+              <a:latin typeface="Calibri" pitchFamily="34" charset="0"/>
+            </a:endParaRPr>
+          </a:p>
+          <a:p>
+            <a:endParaRPr lang="en-US" dirty="0" smtClean="0">
+              <a:latin typeface="Calibri" pitchFamily="34" charset="0"/>
+            </a:endParaRPr>
+          </a:p>
+          <a:p>
+            <a:r>
+              <a:rPr lang="en-US" dirty="0" err="1" smtClean="0">
                 <a:solidFill>
                   <a:schemeClr val="accent1">
                     <a:lumMod val="75000"/>
                   </a:schemeClr>
                 </a:solidFill>
+                <a:latin typeface="Calibri" pitchFamily="34" charset="0"/>
               </a:rPr>
               <a:t>var</a:t>
             </a:r>
             <a:r>
-              <a:rPr lang="en-US" sz="2400" dirty="0" smtClean="0"/>
+              <a:rPr lang="en-US" dirty="0" smtClean="0">
+                <a:latin typeface="Calibri" pitchFamily="34" charset="0"/>
+              </a:rPr>
               <a:t> a = 2, b = 3; </a:t>
             </a:r>
           </a:p>
           <a:p>
             <a:r>
-              <a:rPr lang="en-US" sz="2400" dirty="0" err="1" smtClean="0">
+              <a:rPr lang="en-US" dirty="0" err="1" smtClean="0">
                 <a:solidFill>
                   <a:schemeClr val="accent1">
                     <a:lumMod val="75000"/>
                   </a:schemeClr>
                 </a:solidFill>
+                <a:latin typeface="Calibri" pitchFamily="34" charset="0"/>
               </a:rPr>
               <a:t>var</a:t>
             </a:r>
             <a:r>
-              <a:rPr lang="en-US" sz="2400" dirty="0" smtClean="0"/>
+              <a:rPr lang="en-US" dirty="0" smtClean="0">
+                <a:latin typeface="Calibri" pitchFamily="34" charset="0"/>
+              </a:rPr>
               <a:t> </a:t>
             </a:r>
             <a:r>
-              <a:rPr lang="en-US" sz="2400" dirty="0" err="1" smtClean="0"/>
+              <a:rPr lang="en-US" dirty="0" err="1" smtClean="0">
+                <a:latin typeface="Calibri" pitchFamily="34" charset="0"/>
+              </a:rPr>
               <a:t>mul</a:t>
             </a:r>
             <a:r>
-              <a:rPr lang="en-US" sz="2400" dirty="0" smtClean="0"/>
+              <a:rPr lang="en-US" dirty="0" smtClean="0">
+                <a:latin typeface="Calibri" pitchFamily="34" charset="0"/>
+              </a:rPr>
               <a:t> = </a:t>
             </a:r>
             <a:r>
-              <a:rPr lang="en-US" sz="2400" dirty="0" smtClean="0">
+              <a:rPr lang="en-US" dirty="0" smtClean="0">
                 <a:solidFill>
                   <a:schemeClr val="accent1">
                     <a:lumMod val="75000"/>
                   </a:schemeClr>
                 </a:solidFill>
+                <a:latin typeface="Calibri" pitchFamily="34" charset="0"/>
               </a:rPr>
               <a:t>new</a:t>
             </a:r>
             <a:r>
-              <a:rPr lang="en-US" sz="2400" dirty="0" smtClean="0"/>
+              <a:rPr lang="en-US" dirty="0" smtClean="0">
+                <a:latin typeface="Calibri" pitchFamily="34" charset="0"/>
+              </a:rPr>
               <a:t> Function('a, b', ' </a:t>
             </a:r>
             <a:r>
-              <a:rPr lang="en-US" sz="2400" dirty="0" smtClean="0">
+              <a:rPr lang="en-US" dirty="0" smtClean="0">
                 <a:solidFill>
                   <a:schemeClr val="accent1">
                     <a:lumMod val="75000"/>
                   </a:schemeClr>
                 </a:solidFill>
+                <a:latin typeface="Calibri" pitchFamily="34" charset="0"/>
               </a:rPr>
               <a:t>return</a:t>
             </a:r>
             <a:r>
-              <a:rPr lang="en-US" sz="2400" dirty="0" smtClean="0"/>
+              <a:rPr lang="en-US" dirty="0" smtClean="0">
+                <a:latin typeface="Calibri" pitchFamily="34" charset="0"/>
+              </a:rPr>
               <a:t> a * b;'); </a:t>
             </a:r>
           </a:p>
           <a:p>
             <a:r>
-              <a:rPr lang="en-US" sz="2400" dirty="0" smtClean="0"/>
+              <a:rPr lang="en-US" dirty="0" smtClean="0">
+                <a:latin typeface="Calibri" pitchFamily="34" charset="0"/>
+              </a:rPr>
               <a:t>alert( </a:t>
             </a:r>
             <a:r>
-              <a:rPr lang="en-US" sz="2400" dirty="0" err="1" smtClean="0"/>
+              <a:rPr lang="en-US" dirty="0" err="1" smtClean="0">
+                <a:latin typeface="Calibri" pitchFamily="34" charset="0"/>
+              </a:rPr>
               <a:t>mul</a:t>
             </a:r>
             <a:r>
-              <a:rPr lang="en-US" sz="2400" dirty="0" smtClean="0"/>
+              <a:rPr lang="en-US" dirty="0" smtClean="0">
+                <a:latin typeface="Calibri" pitchFamily="34" charset="0"/>
+              </a:rPr>
               <a:t>(a, b) ); // 6</a:t>
             </a:r>
-            <a:endParaRPr lang="en-US" sz="2400" dirty="0"/>
+            <a:endParaRPr lang="en-US" dirty="0">
+              <a:latin typeface="Calibri" pitchFamily="34" charset="0"/>
+            </a:endParaRPr>
           </a:p>
         </p:txBody>
       </p:sp>
     </p:spTree>
     <p:extLst>
       <p:ext uri="{BB962C8B-B14F-4D97-AF65-F5344CB8AC3E}">
-        <p14:creationId xmlns:p14="http://schemas.microsoft.com/office/powerpoint/2010/main" xmlns="" val="9290874"/>
+        <p14:creationId xmlns="" xmlns:p14="http://schemas.microsoft.com/office/powerpoint/2010/main" val="9290874"/>
       </p:ext>
     </p:extLst>
   </p:cSld>
@@ -4578,10 +5157,14 @@
           <a:lstStyle/>
           <a:p>
             <a:r>
-              <a:rPr lang="en-US" sz="3600" b="1" dirty="0" smtClean="0"/>
+              <a:rPr lang="en-US" sz="2800" dirty="0" smtClean="0">
+                <a:latin typeface="Calibri" pitchFamily="34" charset="0"/>
+              </a:rPr>
               <a:t>try … catch</a:t>
             </a:r>
-            <a:endParaRPr lang="en-US" sz="3600" b="1" dirty="0"/>
+            <a:endParaRPr lang="en-US" sz="2800" dirty="0">
+              <a:latin typeface="Calibri" pitchFamily="34" charset="0"/>
+            </a:endParaRPr>
           </a:p>
         </p:txBody>
       </p:sp>
@@ -4621,16 +5204,22 @@
           <a:lstStyle/>
           <a:p>
             <a:r>
-              <a:rPr lang="ru-RU" dirty="0" smtClean="0"/>
+              <a:rPr lang="ru-RU" dirty="0" smtClean="0">
+                <a:latin typeface="Calibri" pitchFamily="34" charset="0"/>
+              </a:rPr>
               <a:t>Пример</a:t>
             </a:r>
             <a:r>
-              <a:rPr lang="en-US" dirty="0" smtClean="0"/>
+              <a:rPr lang="en-US" dirty="0" smtClean="0">
+                <a:latin typeface="Calibri" pitchFamily="34" charset="0"/>
+              </a:rPr>
               <a:t>: </a:t>
             </a:r>
           </a:p>
           <a:p>
-            <a:endParaRPr lang="en-US" dirty="0" smtClean="0"/>
+            <a:endParaRPr lang="en-US" dirty="0" smtClean="0">
+              <a:latin typeface="Calibri" pitchFamily="34" charset="0"/>
+            </a:endParaRPr>
           </a:p>
           <a:p>
             <a:r>
@@ -4640,16 +5229,21 @@
                     <a:lumMod val="75000"/>
                   </a:schemeClr>
                 </a:solidFill>
+                <a:latin typeface="Calibri" pitchFamily="34" charset="0"/>
               </a:rPr>
               <a:t>var</a:t>
             </a:r>
             <a:r>
-              <a:rPr lang="en-US" dirty="0" smtClean="0"/>
+              <a:rPr lang="en-US" dirty="0" smtClean="0">
+                <a:latin typeface="Calibri" pitchFamily="34" charset="0"/>
+              </a:rPr>
               <a:t> data = "Has Error"; </a:t>
             </a:r>
           </a:p>
           <a:p>
-            <a:endParaRPr lang="en-US" dirty="0" smtClean="0"/>
+            <a:endParaRPr lang="en-US" dirty="0" smtClean="0">
+              <a:latin typeface="Calibri" pitchFamily="34" charset="0"/>
+            </a:endParaRPr>
           </a:p>
           <a:p>
             <a:r>
@@ -4659,158 +5253,233 @@
                     <a:lumMod val="75000"/>
                   </a:schemeClr>
                 </a:solidFill>
+                <a:latin typeface="Calibri" pitchFamily="34" charset="0"/>
               </a:rPr>
               <a:t>try</a:t>
             </a:r>
             <a:r>
-              <a:rPr lang="en-US" dirty="0" smtClean="0"/>
+              <a:rPr lang="en-US" dirty="0" smtClean="0">
+                <a:latin typeface="Calibri" pitchFamily="34" charset="0"/>
+              </a:rPr>
               <a:t> {</a:t>
             </a:r>
           </a:p>
           <a:p>
             <a:r>
-              <a:rPr lang="en-US" dirty="0" smtClean="0"/>
+              <a:rPr lang="en-US" dirty="0" smtClean="0">
+                <a:latin typeface="Calibri" pitchFamily="34" charset="0"/>
+              </a:rPr>
               <a:t> </a:t>
             </a:r>
             <a:r>
-              <a:rPr lang="en-US" dirty="0" err="1" smtClean="0"/>
+              <a:rPr lang="en-US" dirty="0" err="1" smtClean="0">
+                <a:latin typeface="Calibri" pitchFamily="34" charset="0"/>
+              </a:rPr>
               <a:t>var</a:t>
             </a:r>
             <a:r>
-              <a:rPr lang="en-US" dirty="0" smtClean="0"/>
+              <a:rPr lang="en-US" dirty="0" smtClean="0">
+                <a:latin typeface="Calibri" pitchFamily="34" charset="0"/>
+              </a:rPr>
               <a:t> user = </a:t>
             </a:r>
             <a:r>
-              <a:rPr lang="en-US" dirty="0" err="1" smtClean="0"/>
+              <a:rPr lang="en-US" dirty="0" err="1" smtClean="0">
+                <a:latin typeface="Calibri" pitchFamily="34" charset="0"/>
+              </a:rPr>
               <a:t>JSON.parse</a:t>
             </a:r>
             <a:r>
-              <a:rPr lang="en-US" dirty="0" smtClean="0"/>
+              <a:rPr lang="en-US" dirty="0" smtClean="0">
+                <a:latin typeface="Calibri" pitchFamily="34" charset="0"/>
+              </a:rPr>
               <a:t>(data); alert( </a:t>
             </a:r>
             <a:r>
-              <a:rPr lang="en-US" dirty="0" err="1" smtClean="0"/>
+              <a:rPr lang="en-US" dirty="0" err="1" smtClean="0">
+                <a:latin typeface="Calibri" pitchFamily="34" charset="0"/>
+              </a:rPr>
               <a:t>user.name</a:t>
             </a:r>
             <a:r>
-              <a:rPr lang="en-US" dirty="0" smtClean="0"/>
+              <a:rPr lang="en-US" dirty="0" smtClean="0">
+                <a:latin typeface="Calibri" pitchFamily="34" charset="0"/>
+              </a:rPr>
               <a:t> ); </a:t>
             </a:r>
             <a:r>
-              <a:rPr lang="uk-UA" dirty="0" smtClean="0"/>
+              <a:rPr lang="uk-UA" dirty="0" smtClean="0">
+                <a:latin typeface="Calibri" pitchFamily="34" charset="0"/>
+              </a:rPr>
               <a:t>}</a:t>
             </a:r>
             <a:r>
-              <a:rPr lang="en-US" dirty="0" smtClean="0"/>
+              <a:rPr lang="en-US" dirty="0" smtClean="0">
+                <a:latin typeface="Calibri" pitchFamily="34" charset="0"/>
+              </a:rPr>
               <a:t> </a:t>
             </a:r>
             <a:r>
-              <a:rPr lang="uk-UA" dirty="0" smtClean="0"/>
+              <a:rPr lang="uk-UA" dirty="0" smtClean="0">
+                <a:latin typeface="Calibri" pitchFamily="34" charset="0"/>
+              </a:rPr>
               <a:t> </a:t>
             </a:r>
-            <a:endParaRPr lang="en-US" dirty="0" smtClean="0"/>
-          </a:p>
-          <a:p>
-            <a:endParaRPr lang="en-US" dirty="0" smtClean="0"/>
-          </a:p>
-          <a:p>
-            <a:r>
-              <a:rPr lang="en-US" dirty="0" smtClean="0"/>
+            <a:endParaRPr lang="en-US" dirty="0" smtClean="0">
+              <a:latin typeface="Calibri" pitchFamily="34" charset="0"/>
+            </a:endParaRPr>
+          </a:p>
+          <a:p>
+            <a:endParaRPr lang="en-US" dirty="0" smtClean="0">
+              <a:latin typeface="Calibri" pitchFamily="34" charset="0"/>
+            </a:endParaRPr>
+          </a:p>
+          <a:p>
+            <a:r>
+              <a:rPr lang="en-US" dirty="0" smtClean="0">
+                <a:latin typeface="Calibri" pitchFamily="34" charset="0"/>
+              </a:rPr>
               <a:t>catch (e) {</a:t>
             </a:r>
           </a:p>
           <a:p>
             <a:pPr algn="just"/>
             <a:r>
-              <a:rPr lang="en-US" dirty="0" smtClean="0"/>
+              <a:rPr lang="en-US" dirty="0" smtClean="0">
+                <a:latin typeface="Calibri" pitchFamily="34" charset="0"/>
+              </a:rPr>
               <a:t>alert( "</a:t>
             </a:r>
             <a:r>
-              <a:rPr lang="uk-UA" dirty="0" err="1" smtClean="0"/>
+              <a:rPr lang="uk-UA" dirty="0" err="1" smtClean="0">
+                <a:latin typeface="Calibri" pitchFamily="34" charset="0"/>
+              </a:rPr>
               <a:t>Извините</a:t>
             </a:r>
             <a:r>
-              <a:rPr lang="uk-UA" dirty="0" smtClean="0"/>
+              <a:rPr lang="uk-UA" dirty="0" smtClean="0">
+                <a:latin typeface="Calibri" pitchFamily="34" charset="0"/>
+              </a:rPr>
               <a:t>, в </a:t>
             </a:r>
             <a:r>
-              <a:rPr lang="uk-UA" dirty="0" err="1" smtClean="0"/>
+              <a:rPr lang="uk-UA" dirty="0" err="1" smtClean="0">
+                <a:latin typeface="Calibri" pitchFamily="34" charset="0"/>
+              </a:rPr>
               <a:t>данных</a:t>
             </a:r>
             <a:r>
-              <a:rPr lang="uk-UA" dirty="0" smtClean="0"/>
+              <a:rPr lang="uk-UA" dirty="0" smtClean="0">
+                <a:latin typeface="Calibri" pitchFamily="34" charset="0"/>
+              </a:rPr>
               <a:t> </a:t>
             </a:r>
             <a:r>
-              <a:rPr lang="uk-UA" dirty="0" err="1" smtClean="0"/>
+              <a:rPr lang="uk-UA" dirty="0" err="1" smtClean="0">
+                <a:latin typeface="Calibri" pitchFamily="34" charset="0"/>
+              </a:rPr>
               <a:t>ошибка</a:t>
             </a:r>
             <a:r>
-              <a:rPr lang="uk-UA" dirty="0" smtClean="0"/>
+              <a:rPr lang="uk-UA" dirty="0" smtClean="0">
+                <a:latin typeface="Calibri" pitchFamily="34" charset="0"/>
+              </a:rPr>
               <a:t>, </a:t>
             </a:r>
             <a:r>
-              <a:rPr lang="uk-UA" dirty="0" err="1" smtClean="0"/>
+              <a:rPr lang="uk-UA" dirty="0" err="1" smtClean="0">
+                <a:latin typeface="Calibri" pitchFamily="34" charset="0"/>
+              </a:rPr>
               <a:t>мы</a:t>
             </a:r>
             <a:r>
-              <a:rPr lang="uk-UA" dirty="0" smtClean="0"/>
+              <a:rPr lang="uk-UA" dirty="0" smtClean="0">
+                <a:latin typeface="Calibri" pitchFamily="34" charset="0"/>
+              </a:rPr>
               <a:t> </a:t>
             </a:r>
             <a:r>
-              <a:rPr lang="uk-UA" dirty="0" err="1" smtClean="0"/>
+              <a:rPr lang="uk-UA" dirty="0" err="1" smtClean="0">
+                <a:latin typeface="Calibri" pitchFamily="34" charset="0"/>
+              </a:rPr>
               <a:t>попробуем</a:t>
             </a:r>
             <a:r>
-              <a:rPr lang="uk-UA" dirty="0" smtClean="0"/>
+              <a:rPr lang="uk-UA" dirty="0" smtClean="0">
+                <a:latin typeface="Calibri" pitchFamily="34" charset="0"/>
+              </a:rPr>
               <a:t> получить </a:t>
             </a:r>
             <a:r>
-              <a:rPr lang="uk-UA" dirty="0" err="1" smtClean="0"/>
+              <a:rPr lang="uk-UA" dirty="0" err="1" smtClean="0">
+                <a:latin typeface="Calibri" pitchFamily="34" charset="0"/>
+              </a:rPr>
               <a:t>их</a:t>
             </a:r>
             <a:r>
-              <a:rPr lang="uk-UA" dirty="0" smtClean="0"/>
+              <a:rPr lang="uk-UA" dirty="0" smtClean="0">
+                <a:latin typeface="Calibri" pitchFamily="34" charset="0"/>
+              </a:rPr>
               <a:t> </a:t>
             </a:r>
             <a:r>
-              <a:rPr lang="uk-UA" dirty="0" err="1" smtClean="0"/>
+              <a:rPr lang="uk-UA" dirty="0" err="1" smtClean="0">
+                <a:latin typeface="Calibri" pitchFamily="34" charset="0"/>
+              </a:rPr>
               <a:t>ещё</a:t>
             </a:r>
             <a:r>
-              <a:rPr lang="uk-UA" dirty="0" smtClean="0"/>
+              <a:rPr lang="uk-UA" dirty="0" smtClean="0">
+                <a:latin typeface="Calibri" pitchFamily="34" charset="0"/>
+              </a:rPr>
               <a:t> раз" ); </a:t>
             </a:r>
-            <a:endParaRPr lang="en-US" dirty="0" smtClean="0"/>
-          </a:p>
-          <a:p>
-            <a:r>
-              <a:rPr lang="en-US" dirty="0" smtClean="0"/>
+            <a:endParaRPr lang="en-US" dirty="0" smtClean="0">
+              <a:latin typeface="Calibri" pitchFamily="34" charset="0"/>
+            </a:endParaRPr>
+          </a:p>
+          <a:p>
+            <a:r>
+              <a:rPr lang="en-US" dirty="0" smtClean="0">
+                <a:latin typeface="Calibri" pitchFamily="34" charset="0"/>
+              </a:rPr>
               <a:t>alert( </a:t>
             </a:r>
             <a:r>
-              <a:rPr lang="en-US" dirty="0" err="1" smtClean="0"/>
+              <a:rPr lang="en-US" dirty="0" err="1" smtClean="0">
+                <a:latin typeface="Calibri" pitchFamily="34" charset="0"/>
+              </a:rPr>
               <a:t>e.name</a:t>
             </a:r>
             <a:r>
-              <a:rPr lang="en-US" dirty="0" smtClean="0"/>
+              <a:rPr lang="en-US" dirty="0" smtClean="0">
+                <a:latin typeface="Calibri" pitchFamily="34" charset="0"/>
+              </a:rPr>
               <a:t> ); </a:t>
             </a:r>
           </a:p>
           <a:p>
             <a:r>
-              <a:rPr lang="en-US" dirty="0" smtClean="0"/>
+              <a:rPr lang="en-US" dirty="0" smtClean="0">
+                <a:latin typeface="Calibri" pitchFamily="34" charset="0"/>
+              </a:rPr>
               <a:t>alert( </a:t>
             </a:r>
             <a:r>
-              <a:rPr lang="en-US" dirty="0" err="1" smtClean="0"/>
+              <a:rPr lang="en-US" dirty="0" err="1" smtClean="0">
+                <a:latin typeface="Calibri" pitchFamily="34" charset="0"/>
+              </a:rPr>
               <a:t>e.message</a:t>
             </a:r>
             <a:r>
-              <a:rPr lang="en-US" dirty="0" smtClean="0"/>
+              <a:rPr lang="en-US" dirty="0" smtClean="0">
+                <a:latin typeface="Calibri" pitchFamily="34" charset="0"/>
+              </a:rPr>
               <a:t> ); }</a:t>
             </a:r>
-            <a:endParaRPr lang="en-US" dirty="0"/>
+            <a:endParaRPr lang="en-US" dirty="0">
+              <a:latin typeface="Calibri" pitchFamily="34" charset="0"/>
+            </a:endParaRPr>
           </a:p>
         </p:txBody>
       </p:sp>
@@ -4837,54 +5506,80 @@
           <a:lstStyle/>
           <a:p>
             <a:r>
-              <a:rPr lang="ru-RU" dirty="0" smtClean="0"/>
+              <a:rPr lang="ru-RU" dirty="0" smtClean="0">
+                <a:latin typeface="Calibri" pitchFamily="34" charset="0"/>
+              </a:rPr>
               <a:t>Конструкция </a:t>
             </a:r>
             <a:r>
-              <a:rPr lang="ru-RU" b="1" dirty="0" err="1" smtClean="0"/>
+              <a:rPr lang="ru-RU" b="1" dirty="0" err="1" smtClean="0">
+                <a:latin typeface="Calibri" pitchFamily="34" charset="0"/>
+              </a:rPr>
               <a:t>try</a:t>
             </a:r>
             <a:r>
-              <a:rPr lang="en-US" b="1" dirty="0" smtClean="0"/>
+              <a:rPr lang="en-US" b="1" dirty="0" smtClean="0">
+                <a:latin typeface="Calibri" pitchFamily="34" charset="0"/>
+              </a:rPr>
               <a:t> </a:t>
             </a:r>
             <a:r>
-              <a:rPr lang="ru-RU" b="1" dirty="0" smtClean="0"/>
+              <a:rPr lang="ru-RU" b="1" dirty="0" smtClean="0">
+                <a:latin typeface="Calibri" pitchFamily="34" charset="0"/>
+              </a:rPr>
               <a:t>…</a:t>
             </a:r>
             <a:r>
-              <a:rPr lang="en-US" b="1" dirty="0" smtClean="0"/>
+              <a:rPr lang="en-US" b="1" dirty="0" smtClean="0">
+                <a:latin typeface="Calibri" pitchFamily="34" charset="0"/>
+              </a:rPr>
               <a:t> </a:t>
             </a:r>
             <a:r>
-              <a:rPr lang="ru-RU" b="1" dirty="0" err="1" smtClean="0"/>
+              <a:rPr lang="ru-RU" b="1" dirty="0" err="1" smtClean="0">
+                <a:latin typeface="Calibri" pitchFamily="34" charset="0"/>
+              </a:rPr>
               <a:t>catch</a:t>
             </a:r>
             <a:r>
-              <a:rPr lang="ru-RU" dirty="0" smtClean="0"/>
+              <a:rPr lang="ru-RU" dirty="0" smtClean="0">
+                <a:latin typeface="Calibri" pitchFamily="34" charset="0"/>
+              </a:rPr>
               <a:t> состоит из двух основных блоков: </a:t>
             </a:r>
             <a:r>
-              <a:rPr lang="ru-RU" b="1" dirty="0" err="1" smtClean="0"/>
+              <a:rPr lang="ru-RU" b="1" dirty="0" err="1" smtClean="0">
+                <a:latin typeface="Calibri" pitchFamily="34" charset="0"/>
+              </a:rPr>
               <a:t>try</a:t>
             </a:r>
             <a:r>
-              <a:rPr lang="ru-RU" dirty="0" smtClean="0"/>
+              <a:rPr lang="ru-RU" dirty="0" smtClean="0">
+                <a:latin typeface="Calibri" pitchFamily="34" charset="0"/>
+              </a:rPr>
               <a:t>, и затем</a:t>
             </a:r>
             <a:r>
-              <a:rPr lang="en-US" dirty="0" smtClean="0"/>
+              <a:rPr lang="en-US" dirty="0" smtClean="0">
+                <a:latin typeface="Calibri" pitchFamily="34" charset="0"/>
+              </a:rPr>
               <a:t> </a:t>
             </a:r>
             <a:r>
-              <a:rPr lang="ru-RU" b="1" dirty="0" err="1" smtClean="0"/>
+              <a:rPr lang="ru-RU" b="1" dirty="0" err="1" smtClean="0">
+                <a:latin typeface="Calibri" pitchFamily="34" charset="0"/>
+              </a:rPr>
               <a:t>catch</a:t>
             </a:r>
             <a:r>
-              <a:rPr lang="ru-RU" dirty="0" smtClean="0"/>
+              <a:rPr lang="ru-RU" dirty="0" smtClean="0">
+                <a:latin typeface="Calibri" pitchFamily="34" charset="0"/>
+              </a:rPr>
               <a:t>:</a:t>
             </a:r>
-            <a:endParaRPr lang="en-US" dirty="0"/>
+            <a:endParaRPr lang="en-US" dirty="0">
+              <a:latin typeface="Calibri" pitchFamily="34" charset="0"/>
+            </a:endParaRPr>
           </a:p>
         </p:txBody>
       </p:sp>
@@ -4896,7 +5591,7 @@
         </p:nvSpPr>
         <p:spPr>
           <a:xfrm>
-            <a:off x="4860032" y="2060848"/>
+            <a:off x="4788024" y="1988840"/>
             <a:ext cx="3816424" cy="3970318"/>
           </a:xfrm>
           <a:prstGeom prst="rect">
@@ -4911,17 +5606,23 @@
           <a:lstStyle/>
           <a:p>
             <a:r>
-              <a:rPr lang="ru-RU" dirty="0" smtClean="0"/>
+              <a:rPr lang="ru-RU" dirty="0" smtClean="0">
+                <a:latin typeface="Calibri" pitchFamily="34" charset="0"/>
+              </a:rPr>
               <a:t>Алгоритм работы </a:t>
             </a:r>
             <a:r>
-              <a:rPr lang="en-US" dirty="0" smtClean="0"/>
+              <a:rPr lang="en-US" dirty="0" smtClean="0">
+                <a:latin typeface="Calibri" pitchFamily="34" charset="0"/>
+              </a:rPr>
               <a:t>try … catch: </a:t>
             </a:r>
           </a:p>
           <a:p>
             <a:pPr algn="just"/>
-            <a:endParaRPr lang="ru-RU" dirty="0" smtClean="0"/>
+            <a:endParaRPr lang="ru-RU" dirty="0" smtClean="0">
+              <a:latin typeface="Calibri" pitchFamily="34" charset="0"/>
+            </a:endParaRPr>
           </a:p>
           <a:p>
             <a:pPr algn="just">
@@ -4929,23 +5630,33 @@
               <a:buChar char="§"/>
             </a:pPr>
             <a:r>
-              <a:rPr lang="en-US" dirty="0" smtClean="0"/>
+              <a:rPr lang="en-US" dirty="0" smtClean="0">
+                <a:latin typeface="Calibri" pitchFamily="34" charset="0"/>
+              </a:rPr>
               <a:t>  </a:t>
             </a:r>
             <a:r>
-              <a:rPr lang="ru-RU" dirty="0" smtClean="0"/>
+              <a:rPr lang="ru-RU" dirty="0" smtClean="0">
+                <a:latin typeface="Calibri" pitchFamily="34" charset="0"/>
+              </a:rPr>
               <a:t>Выполняется код внутри блока </a:t>
             </a:r>
             <a:r>
-              <a:rPr lang="ru-RU" dirty="0" err="1" smtClean="0"/>
+              <a:rPr lang="ru-RU" dirty="0" err="1" smtClean="0">
+                <a:latin typeface="Calibri" pitchFamily="34" charset="0"/>
+              </a:rPr>
               <a:t>try</a:t>
             </a:r>
             <a:r>
-              <a:rPr lang="ru-RU" dirty="0" smtClean="0"/>
+              <a:rPr lang="ru-RU" dirty="0" smtClean="0">
+                <a:latin typeface="Calibri" pitchFamily="34" charset="0"/>
+              </a:rPr>
               <a:t>.</a:t>
             </a:r>
             <a:r>
-              <a:rPr lang="en-US" dirty="0" smtClean="0"/>
+              <a:rPr lang="en-US" dirty="0" smtClean="0">
+                <a:latin typeface="Calibri" pitchFamily="34" charset="0"/>
+              </a:rPr>
               <a:t> </a:t>
             </a:r>
           </a:p>
@@ -4954,7 +5665,9 @@
               <a:buFont typeface="Wingdings" pitchFamily="2" charset="2"/>
               <a:buChar char="§"/>
             </a:pPr>
-            <a:endParaRPr lang="ru-RU" dirty="0" smtClean="0"/>
+            <a:endParaRPr lang="ru-RU" dirty="0" smtClean="0">
+              <a:latin typeface="Calibri" pitchFamily="34" charset="0"/>
+            </a:endParaRPr>
           </a:p>
           <a:p>
             <a:pPr algn="just">
@@ -4962,43 +5675,63 @@
               <a:buChar char="§"/>
             </a:pPr>
             <a:r>
-              <a:rPr lang="en-US" dirty="0" smtClean="0"/>
+              <a:rPr lang="en-US" dirty="0" smtClean="0">
+                <a:latin typeface="Calibri" pitchFamily="34" charset="0"/>
+              </a:rPr>
               <a:t>  </a:t>
             </a:r>
             <a:r>
-              <a:rPr lang="ru-RU" dirty="0" smtClean="0"/>
+              <a:rPr lang="ru-RU" dirty="0" smtClean="0">
+                <a:latin typeface="Calibri" pitchFamily="34" charset="0"/>
+              </a:rPr>
               <a:t>Если в нём ошибок нет, то блок </a:t>
             </a:r>
             <a:r>
-              <a:rPr lang="ru-RU" dirty="0" err="1" smtClean="0"/>
+              <a:rPr lang="ru-RU" dirty="0" err="1" smtClean="0">
+                <a:latin typeface="Calibri" pitchFamily="34" charset="0"/>
+              </a:rPr>
               <a:t>catch</a:t>
             </a:r>
             <a:r>
-              <a:rPr lang="ru-RU" dirty="0" smtClean="0"/>
+              <a:rPr lang="ru-RU" dirty="0" smtClean="0">
+                <a:latin typeface="Calibri" pitchFamily="34" charset="0"/>
+              </a:rPr>
               <a:t>(</a:t>
             </a:r>
             <a:r>
-              <a:rPr lang="ru-RU" dirty="0" err="1" smtClean="0"/>
+              <a:rPr lang="ru-RU" dirty="0" err="1" smtClean="0">
+                <a:latin typeface="Calibri" pitchFamily="34" charset="0"/>
+              </a:rPr>
               <a:t>err</a:t>
             </a:r>
             <a:r>
-              <a:rPr lang="ru-RU" dirty="0" smtClean="0"/>
+              <a:rPr lang="ru-RU" dirty="0" smtClean="0">
+                <a:latin typeface="Calibri" pitchFamily="34" charset="0"/>
+              </a:rPr>
               <a:t>) игнорируется, то есть выполнение доходит до конца </a:t>
             </a:r>
             <a:r>
-              <a:rPr lang="ru-RU" dirty="0" err="1" smtClean="0"/>
+              <a:rPr lang="ru-RU" dirty="0" err="1" smtClean="0">
+                <a:latin typeface="Calibri" pitchFamily="34" charset="0"/>
+              </a:rPr>
               <a:t>try</a:t>
             </a:r>
             <a:r>
-              <a:rPr lang="ru-RU" dirty="0" smtClean="0"/>
+              <a:rPr lang="ru-RU" dirty="0" smtClean="0">
+                <a:latin typeface="Calibri" pitchFamily="34" charset="0"/>
+              </a:rPr>
               <a:t> и потом прыгает через </a:t>
             </a:r>
             <a:r>
-              <a:rPr lang="ru-RU" dirty="0" err="1" smtClean="0"/>
+              <a:rPr lang="ru-RU" dirty="0" err="1" smtClean="0">
+                <a:latin typeface="Calibri" pitchFamily="34" charset="0"/>
+              </a:rPr>
               <a:t>catch</a:t>
             </a:r>
             <a:r>
-              <a:rPr lang="ru-RU" dirty="0" smtClean="0"/>
+              <a:rPr lang="ru-RU" dirty="0" smtClean="0">
+                <a:latin typeface="Calibri" pitchFamily="34" charset="0"/>
+              </a:rPr>
               <a:t>.</a:t>
             </a:r>
           </a:p>
@@ -5007,7 +5740,9 @@
               <a:buFont typeface="Wingdings" pitchFamily="2" charset="2"/>
               <a:buChar char="§"/>
             </a:pPr>
-            <a:endParaRPr lang="en-US" dirty="0" smtClean="0"/>
+            <a:endParaRPr lang="en-US" dirty="0" smtClean="0">
+              <a:latin typeface="Calibri" pitchFamily="34" charset="0"/>
+            </a:endParaRPr>
           </a:p>
           <a:p>
             <a:pPr algn="just">
@@ -5015,47 +5750,65 @@
               <a:buChar char="§"/>
             </a:pPr>
             <a:r>
-              <a:rPr lang="en-US" dirty="0" smtClean="0"/>
+              <a:rPr lang="en-US" dirty="0" smtClean="0">
+                <a:latin typeface="Calibri" pitchFamily="34" charset="0"/>
+              </a:rPr>
               <a:t>  </a:t>
             </a:r>
             <a:r>
-              <a:rPr lang="ru-RU" dirty="0" smtClean="0"/>
+              <a:rPr lang="ru-RU" dirty="0" smtClean="0">
+                <a:latin typeface="Calibri" pitchFamily="34" charset="0"/>
+              </a:rPr>
               <a:t>Если в нём возникнет ошибка, то выполнение </a:t>
             </a:r>
             <a:r>
-              <a:rPr lang="ru-RU" dirty="0" err="1" smtClean="0"/>
+              <a:rPr lang="ru-RU" dirty="0" err="1" smtClean="0">
+                <a:latin typeface="Calibri" pitchFamily="34" charset="0"/>
+              </a:rPr>
               <a:t>try</a:t>
             </a:r>
             <a:r>
-              <a:rPr lang="ru-RU" dirty="0" smtClean="0"/>
+              <a:rPr lang="ru-RU" dirty="0" smtClean="0">
+                <a:latin typeface="Calibri" pitchFamily="34" charset="0"/>
+              </a:rPr>
               <a:t> на ней прерывается, и управление прыгает в начало блока </a:t>
             </a:r>
             <a:r>
-              <a:rPr lang="ru-RU" dirty="0" err="1" smtClean="0"/>
+              <a:rPr lang="ru-RU" dirty="0" err="1" smtClean="0">
+                <a:latin typeface="Calibri" pitchFamily="34" charset="0"/>
+              </a:rPr>
               <a:t>catch</a:t>
             </a:r>
             <a:r>
-              <a:rPr lang="ru-RU" dirty="0" smtClean="0"/>
+              <a:rPr lang="ru-RU" dirty="0" smtClean="0">
+                <a:latin typeface="Calibri" pitchFamily="34" charset="0"/>
+              </a:rPr>
               <a:t>(</a:t>
             </a:r>
             <a:r>
-              <a:rPr lang="ru-RU" dirty="0" err="1" smtClean="0"/>
+              <a:rPr lang="ru-RU" dirty="0" err="1" smtClean="0">
+                <a:latin typeface="Calibri" pitchFamily="34" charset="0"/>
+              </a:rPr>
               <a:t>err</a:t>
             </a:r>
             <a:r>
-              <a:rPr lang="ru-RU" dirty="0" smtClean="0"/>
+              <a:rPr lang="ru-RU" dirty="0" smtClean="0">
+                <a:latin typeface="Calibri" pitchFamily="34" charset="0"/>
+              </a:rPr>
               <a:t>).</a:t>
             </a:r>
           </a:p>
           <a:p>
-            <a:endParaRPr lang="en-US" dirty="0"/>
+            <a:endParaRPr lang="en-US" dirty="0">
+              <a:latin typeface="Calibri" pitchFamily="34" charset="0"/>
+            </a:endParaRPr>
           </a:p>
         </p:txBody>
       </p:sp>
     </p:spTree>
     <p:extLst>
       <p:ext uri="{BB962C8B-B14F-4D97-AF65-F5344CB8AC3E}">
-        <p14:creationId xmlns:p14="http://schemas.microsoft.com/office/powerpoint/2010/main" xmlns="" val="9290874"/>
+        <p14:creationId xmlns="" xmlns:p14="http://schemas.microsoft.com/office/powerpoint/2010/main" val="9290874"/>
       </p:ext>
     </p:extLst>
   </p:cSld>
